--- a/lab04/00-lab04.pptx
+++ b/lab04/00-lab04.pptx
@@ -16,6 +16,11 @@
     <p:sldId id="282" r:id="rId10"/>
     <p:sldId id="281" r:id="rId11"/>
     <p:sldId id="283" r:id="rId12"/>
+    <p:sldId id="320" r:id="rId13"/>
+    <p:sldId id="331" r:id="rId14"/>
+    <p:sldId id="332" r:id="rId15"/>
+    <p:sldId id="297" r:id="rId16"/>
+    <p:sldId id="333" r:id="rId17"/>
   </p:sldIdLst>
   <p:sldSz cx="12192000" cy="6858000"/>
   <p:notesSz cx="6858000" cy="9144000"/>
@@ -352,7 +357,7 @@
             <a:fld id="{B61BEF0D-F0BB-DE4B-95CE-6DB70DBA9567}" type="datetimeFigureOut">
               <a:rPr lang="en-US" dirty="0"/>
               <a:pPr/>
-              <a:t>11/15/2021</a:t>
+              <a:t>12/6/2021</a:t>
             </a:fld>
             <a:endParaRPr lang="en-US" dirty="0"/>
           </a:p>
@@ -683,7 +688,7 @@
             <a:fld id="{B61BEF0D-F0BB-DE4B-95CE-6DB70DBA9567}" type="datetimeFigureOut">
               <a:rPr lang="en-US" dirty="0"/>
               <a:pPr/>
-              <a:t>11/15/2021</a:t>
+              <a:t>12/6/2021</a:t>
             </a:fld>
             <a:endParaRPr lang="en-US" dirty="0"/>
           </a:p>
@@ -958,7 +963,7 @@
             <a:fld id="{B61BEF0D-F0BB-DE4B-95CE-6DB70DBA9567}" type="datetimeFigureOut">
               <a:rPr lang="en-US" dirty="0"/>
               <a:pPr/>
-              <a:t>11/15/2021</a:t>
+              <a:t>12/6/2021</a:t>
             </a:fld>
             <a:endParaRPr lang="en-US" dirty="0"/>
           </a:p>
@@ -1523,7 +1528,7 @@
             <a:fld id="{B61BEF0D-F0BB-DE4B-95CE-6DB70DBA9567}" type="datetimeFigureOut">
               <a:rPr lang="en-US" dirty="0"/>
               <a:pPr/>
-              <a:t>11/15/2021</a:t>
+              <a:t>12/6/2021</a:t>
             </a:fld>
             <a:endParaRPr lang="en-US" dirty="0"/>
           </a:p>
@@ -1798,7 +1803,7 @@
             <a:fld id="{B61BEF0D-F0BB-DE4B-95CE-6DB70DBA9567}" type="datetimeFigureOut">
               <a:rPr lang="en-US" dirty="0"/>
               <a:pPr/>
-              <a:t>11/15/2021</a:t>
+              <a:t>12/6/2021</a:t>
             </a:fld>
             <a:endParaRPr lang="en-US" dirty="0"/>
           </a:p>
@@ -2357,7 +2362,7 @@
             <a:fld id="{B61BEF0D-F0BB-DE4B-95CE-6DB70DBA9567}" type="datetimeFigureOut">
               <a:rPr lang="en-US" dirty="0"/>
               <a:pPr/>
-              <a:t>11/15/2021</a:t>
+              <a:t>12/6/2021</a:t>
             </a:fld>
             <a:endParaRPr lang="en-US" dirty="0"/>
           </a:p>
@@ -2681,7 +2686,7 @@
             <a:fld id="{B61BEF0D-F0BB-DE4B-95CE-6DB70DBA9567}" type="datetimeFigureOut">
               <a:rPr lang="en-US" dirty="0"/>
               <a:pPr/>
-              <a:t>11/15/2021</a:t>
+              <a:t>12/6/2021</a:t>
             </a:fld>
             <a:endParaRPr lang="en-US" dirty="0"/>
           </a:p>
@@ -2855,7 +2860,7 @@
             <a:fld id="{B61BEF0D-F0BB-DE4B-95CE-6DB70DBA9567}" type="datetimeFigureOut">
               <a:rPr lang="en-US" dirty="0"/>
               <a:pPr/>
-              <a:t>11/15/2021</a:t>
+              <a:t>12/6/2021</a:t>
             </a:fld>
             <a:endParaRPr lang="en-US" dirty="0"/>
           </a:p>
@@ -3090,7 +3095,7 @@
             <a:fld id="{B61BEF0D-F0BB-DE4B-95CE-6DB70DBA9567}" type="datetimeFigureOut">
               <a:rPr lang="en-US" dirty="0"/>
               <a:pPr/>
-              <a:t>11/15/2021</a:t>
+              <a:t>12/6/2021</a:t>
             </a:fld>
             <a:endParaRPr lang="en-US" dirty="0"/>
           </a:p>
@@ -3287,7 +3292,7 @@
             <a:fld id="{B61BEF0D-F0BB-DE4B-95CE-6DB70DBA9567}" type="datetimeFigureOut">
               <a:rPr lang="en-US" dirty="0"/>
               <a:pPr/>
-              <a:t>11/15/2021</a:t>
+              <a:t>12/6/2021</a:t>
             </a:fld>
             <a:endParaRPr lang="en-US" dirty="0"/>
           </a:p>
@@ -3560,7 +3565,7 @@
             <a:fld id="{B61BEF0D-F0BB-DE4B-95CE-6DB70DBA9567}" type="datetimeFigureOut">
               <a:rPr lang="en-US" dirty="0"/>
               <a:pPr/>
-              <a:t>11/15/2021</a:t>
+              <a:t>12/6/2021</a:t>
             </a:fld>
             <a:endParaRPr lang="en-US" dirty="0"/>
           </a:p>
@@ -3823,7 +3828,7 @@
             <a:fld id="{B61BEF0D-F0BB-DE4B-95CE-6DB70DBA9567}" type="datetimeFigureOut">
               <a:rPr lang="en-US" dirty="0"/>
               <a:pPr/>
-              <a:t>11/15/2021</a:t>
+              <a:t>12/6/2021</a:t>
             </a:fld>
             <a:endParaRPr lang="en-US" dirty="0"/>
           </a:p>
@@ -4194,7 +4199,7 @@
             <a:fld id="{B61BEF0D-F0BB-DE4B-95CE-6DB70DBA9567}" type="datetimeFigureOut">
               <a:rPr lang="en-US" dirty="0"/>
               <a:pPr/>
-              <a:t>11/15/2021</a:t>
+              <a:t>12/6/2021</a:t>
             </a:fld>
             <a:endParaRPr lang="en-US" dirty="0"/>
           </a:p>
@@ -4339,7 +4344,7 @@
             <a:fld id="{B61BEF0D-F0BB-DE4B-95CE-6DB70DBA9567}" type="datetimeFigureOut">
               <a:rPr lang="en-US" dirty="0"/>
               <a:pPr/>
-              <a:t>11/15/2021</a:t>
+              <a:t>12/6/2021</a:t>
             </a:fld>
             <a:endParaRPr lang="en-US" dirty="0"/>
           </a:p>
@@ -4461,7 +4466,7 @@
             <a:fld id="{B61BEF0D-F0BB-DE4B-95CE-6DB70DBA9567}" type="datetimeFigureOut">
               <a:rPr lang="en-US" dirty="0"/>
               <a:pPr/>
-              <a:t>11/15/2021</a:t>
+              <a:t>12/6/2021</a:t>
             </a:fld>
             <a:endParaRPr lang="en-US" dirty="0"/>
           </a:p>
@@ -4743,7 +4748,7 @@
             <a:fld id="{B61BEF0D-F0BB-DE4B-95CE-6DB70DBA9567}" type="datetimeFigureOut">
               <a:rPr lang="en-US" dirty="0"/>
               <a:pPr/>
-              <a:t>11/15/2021</a:t>
+              <a:t>12/6/2021</a:t>
             </a:fld>
             <a:endParaRPr lang="en-US" dirty="0"/>
           </a:p>
@@ -5064,7 +5069,7 @@
             <a:fld id="{B61BEF0D-F0BB-DE4B-95CE-6DB70DBA9567}" type="datetimeFigureOut">
               <a:rPr lang="en-US" dirty="0"/>
               <a:pPr/>
-              <a:t>11/15/2021</a:t>
+              <a:t>12/6/2021</a:t>
             </a:fld>
             <a:endParaRPr lang="en-US" dirty="0"/>
           </a:p>
@@ -5275,7 +5280,7 @@
             <a:fld id="{B61BEF0D-F0BB-DE4B-95CE-6DB70DBA9567}" type="datetimeFigureOut">
               <a:rPr lang="en-US" dirty="0"/>
               <a:pPr/>
-              <a:t>11/15/2021</a:t>
+              <a:t>12/6/2021</a:t>
             </a:fld>
             <a:endParaRPr lang="en-US" dirty="0"/>
           </a:p>
@@ -5882,8 +5887,8 @@
           <a:lstStyle/>
           <a:p>
             <a:r>
-              <a:rPr lang="en-US" altLang="zh-TW" sz="6600" dirty="0"/>
-              <a:t>Lab 2: </a:t>
+              <a:rPr lang="en-US" altLang="zh-TW" sz="6600"/>
+              <a:t>Lab 4: </a:t>
             </a:r>
             <a:r>
               <a:rPr lang="en-US" altLang="zh-TW" sz="6600" dirty="0" err="1"/>
@@ -6619,6 +6624,3961 @@
     <p:extLst>
       <p:ext uri="{BB962C8B-B14F-4D97-AF65-F5344CB8AC3E}">
         <p14:creationId xmlns:p14="http://schemas.microsoft.com/office/powerpoint/2010/main" val="3708575235"/>
+      </p:ext>
+    </p:extLst>
+  </p:cSld>
+  <p:clrMapOvr>
+    <a:masterClrMapping/>
+  </p:clrMapOvr>
+</p:sld>
+</file>
+
+<file path=ppt/slides/slide12.xml><?xml version="1.0" encoding="utf-8"?>
+<p:sld xmlns:a="http://schemas.openxmlformats.org/drawingml/2006/main" xmlns:r="http://schemas.openxmlformats.org/officeDocument/2006/relationships" xmlns:p="http://schemas.openxmlformats.org/presentationml/2006/main">
+  <p:cSld>
+    <p:spTree>
+      <p:nvGrpSpPr>
+        <p:cNvPr id="1" name=""/>
+        <p:cNvGrpSpPr/>
+        <p:nvPr/>
+      </p:nvGrpSpPr>
+      <p:grpSpPr>
+        <a:xfrm>
+          <a:off x="0" y="0"/>
+          <a:ext cx="0" cy="0"/>
+          <a:chOff x="0" y="0"/>
+          <a:chExt cx="0" cy="0"/>
+        </a:xfrm>
+      </p:grpSpPr>
+      <p:sp>
+        <p:nvSpPr>
+          <p:cNvPr id="2" name="標題 1">
+            <a:extLst>
+              <a:ext uri="{FF2B5EF4-FFF2-40B4-BE49-F238E27FC236}">
+                <a16:creationId xmlns:a16="http://schemas.microsoft.com/office/drawing/2014/main" id="{BE6401A0-B1FB-4811-89D3-94167AE190A8}"/>
+              </a:ext>
+            </a:extLst>
+          </p:cNvPr>
+          <p:cNvSpPr>
+            <a:spLocks noGrp="1"/>
+          </p:cNvSpPr>
+          <p:nvPr>
+            <p:ph type="title"/>
+          </p:nvPr>
+        </p:nvSpPr>
+        <p:spPr/>
+        <p:txBody>
+          <a:bodyPr/>
+          <a:lstStyle/>
+          <a:p>
+            <a:r>
+              <a:rPr lang="en-US" altLang="zh-TW" dirty="0"/>
+              <a:t>Random Generator</a:t>
+            </a:r>
+            <a:r>
+              <a:rPr lang="zh-TW" altLang="en-US" dirty="0"/>
+              <a:t> </a:t>
+            </a:r>
+            <a:r>
+              <a:rPr lang="en-US" altLang="zh-TW" dirty="0"/>
+              <a:t>–</a:t>
+            </a:r>
+            <a:r>
+              <a:rPr lang="zh-TW" altLang="en-US" dirty="0"/>
+              <a:t> </a:t>
+            </a:r>
+            <a:r>
+              <a:rPr lang="en-US" altLang="zh-TW" dirty="0"/>
+              <a:t>C-style</a:t>
+            </a:r>
+            <a:endParaRPr lang="zh-TW" altLang="en-US" dirty="0"/>
+          </a:p>
+        </p:txBody>
+      </p:sp>
+      <p:sp>
+        <p:nvSpPr>
+          <p:cNvPr id="7" name="文字方塊 6">
+            <a:extLst>
+              <a:ext uri="{FF2B5EF4-FFF2-40B4-BE49-F238E27FC236}">
+                <a16:creationId xmlns:a16="http://schemas.microsoft.com/office/drawing/2014/main" id="{F356A22A-DC2B-4A27-930A-29A831AE6684}"/>
+              </a:ext>
+            </a:extLst>
+          </p:cNvPr>
+          <p:cNvSpPr txBox="1"/>
+          <p:nvPr/>
+        </p:nvSpPr>
+        <p:spPr>
+          <a:xfrm>
+            <a:off x="685802" y="1856999"/>
+            <a:ext cx="8349142" cy="3693319"/>
+          </a:xfrm>
+          <a:prstGeom prst="rect">
+            <a:avLst/>
+          </a:prstGeom>
+          <a:solidFill>
+            <a:schemeClr val="tx1"/>
+          </a:solidFill>
+        </p:spPr>
+        <p:txBody>
+          <a:bodyPr wrap="square">
+            <a:spAutoFit/>
+          </a:bodyPr>
+          <a:lstStyle/>
+          <a:p>
+            <a:r>
+              <a:rPr lang="en-US" altLang="zh-TW" b="0" dirty="0">
+                <a:solidFill>
+                  <a:srgbClr val="0000FF"/>
+                </a:solidFill>
+                <a:effectLst/>
+                <a:latin typeface="Consolas" panose="020B0609020204030204" pitchFamily="49" charset="0"/>
+              </a:rPr>
+              <a:t>int</a:t>
+            </a:r>
+            <a:r>
+              <a:rPr lang="en-US" altLang="zh-TW" b="0" dirty="0">
+                <a:solidFill>
+                  <a:srgbClr val="000000"/>
+                </a:solidFill>
+                <a:effectLst/>
+                <a:latin typeface="Consolas" panose="020B0609020204030204" pitchFamily="49" charset="0"/>
+              </a:rPr>
+              <a:t> </a:t>
+            </a:r>
+            <a:r>
+              <a:rPr lang="en-US" altLang="zh-TW" b="0" dirty="0">
+                <a:solidFill>
+                  <a:srgbClr val="795E26"/>
+                </a:solidFill>
+                <a:effectLst/>
+                <a:latin typeface="Consolas" panose="020B0609020204030204" pitchFamily="49" charset="0"/>
+              </a:rPr>
+              <a:t>main</a:t>
+            </a:r>
+            <a:r>
+              <a:rPr lang="en-US" altLang="zh-TW" b="0" dirty="0">
+                <a:solidFill>
+                  <a:srgbClr val="000000"/>
+                </a:solidFill>
+                <a:effectLst/>
+                <a:latin typeface="Consolas" panose="020B0609020204030204" pitchFamily="49" charset="0"/>
+              </a:rPr>
+              <a:t>()</a:t>
+            </a:r>
+          </a:p>
+          <a:p>
+            <a:r>
+              <a:rPr lang="en-US" altLang="zh-TW" b="0" dirty="0">
+                <a:solidFill>
+                  <a:srgbClr val="000000"/>
+                </a:solidFill>
+                <a:effectLst/>
+                <a:latin typeface="Consolas" panose="020B0609020204030204" pitchFamily="49" charset="0"/>
+              </a:rPr>
+              <a:t>{</a:t>
+            </a:r>
+          </a:p>
+          <a:p>
+            <a:r>
+              <a:rPr lang="en-US" altLang="zh-TW" b="0" dirty="0">
+                <a:solidFill>
+                  <a:srgbClr val="008000"/>
+                </a:solidFill>
+                <a:effectLst/>
+                <a:latin typeface="Consolas" panose="020B0609020204030204" pitchFamily="49" charset="0"/>
+              </a:rPr>
+              <a:t>    // return a random integer between 0 and RAND_MAX inclusive.</a:t>
+            </a:r>
+            <a:endParaRPr lang="en-US" altLang="zh-TW" b="0" dirty="0">
+              <a:solidFill>
+                <a:srgbClr val="000000"/>
+              </a:solidFill>
+              <a:effectLst/>
+              <a:latin typeface="Consolas" panose="020B0609020204030204" pitchFamily="49" charset="0"/>
+            </a:endParaRPr>
+          </a:p>
+          <a:p>
+            <a:r>
+              <a:rPr lang="en-US" altLang="zh-TW" b="0" dirty="0">
+                <a:solidFill>
+                  <a:srgbClr val="000000"/>
+                </a:solidFill>
+                <a:effectLst/>
+                <a:latin typeface="Consolas" panose="020B0609020204030204" pitchFamily="49" charset="0"/>
+              </a:rPr>
+              <a:t>    </a:t>
+            </a:r>
+            <a:r>
+              <a:rPr lang="en-US" altLang="zh-TW" b="0" dirty="0">
+                <a:solidFill>
+                  <a:srgbClr val="0000FF"/>
+                </a:solidFill>
+                <a:effectLst/>
+                <a:latin typeface="Consolas" panose="020B0609020204030204" pitchFamily="49" charset="0"/>
+              </a:rPr>
+              <a:t>int</a:t>
+            </a:r>
+            <a:r>
+              <a:rPr lang="en-US" altLang="zh-TW" b="0" dirty="0">
+                <a:solidFill>
+                  <a:srgbClr val="000000"/>
+                </a:solidFill>
+                <a:effectLst/>
+                <a:latin typeface="Consolas" panose="020B0609020204030204" pitchFamily="49" charset="0"/>
+              </a:rPr>
+              <a:t> </a:t>
+            </a:r>
+            <a:r>
+              <a:rPr lang="en-US" altLang="zh-TW" b="0" dirty="0">
+                <a:solidFill>
+                  <a:srgbClr val="001080"/>
+                </a:solidFill>
+                <a:effectLst/>
+                <a:latin typeface="Consolas" panose="020B0609020204030204" pitchFamily="49" charset="0"/>
+              </a:rPr>
+              <a:t>r</a:t>
+            </a:r>
+            <a:r>
+              <a:rPr lang="en-US" altLang="zh-TW" b="0" dirty="0">
+                <a:solidFill>
+                  <a:srgbClr val="000000"/>
+                </a:solidFill>
+                <a:effectLst/>
+                <a:latin typeface="Consolas" panose="020B0609020204030204" pitchFamily="49" charset="0"/>
+              </a:rPr>
+              <a:t> = </a:t>
+            </a:r>
+            <a:r>
+              <a:rPr lang="en-US" altLang="zh-TW" b="0" dirty="0">
+                <a:solidFill>
+                  <a:srgbClr val="267F99"/>
+                </a:solidFill>
+                <a:effectLst/>
+                <a:latin typeface="Consolas" panose="020B0609020204030204" pitchFamily="49" charset="0"/>
+              </a:rPr>
+              <a:t>std</a:t>
+            </a:r>
+            <a:r>
+              <a:rPr lang="en-US" altLang="zh-TW" b="0" dirty="0">
+                <a:solidFill>
+                  <a:srgbClr val="000000"/>
+                </a:solidFill>
+                <a:effectLst/>
+                <a:latin typeface="Consolas" panose="020B0609020204030204" pitchFamily="49" charset="0"/>
+              </a:rPr>
+              <a:t>::</a:t>
+            </a:r>
+            <a:r>
+              <a:rPr lang="en-US" altLang="zh-TW" b="0" dirty="0">
+                <a:solidFill>
+                  <a:srgbClr val="795E26"/>
+                </a:solidFill>
+                <a:effectLst/>
+                <a:latin typeface="Consolas" panose="020B0609020204030204" pitchFamily="49" charset="0"/>
+              </a:rPr>
+              <a:t>rand</a:t>
+            </a:r>
+            <a:r>
+              <a:rPr lang="en-US" altLang="zh-TW" b="0" dirty="0">
+                <a:solidFill>
+                  <a:srgbClr val="000000"/>
+                </a:solidFill>
+                <a:effectLst/>
+                <a:latin typeface="Consolas" panose="020B0609020204030204" pitchFamily="49" charset="0"/>
+              </a:rPr>
+              <a:t>();</a:t>
+            </a:r>
+          </a:p>
+          <a:p>
+            <a:br>
+              <a:rPr lang="en-US" altLang="zh-TW" b="0" dirty="0">
+                <a:solidFill>
+                  <a:srgbClr val="000000"/>
+                </a:solidFill>
+                <a:effectLst/>
+                <a:latin typeface="Consolas" panose="020B0609020204030204" pitchFamily="49" charset="0"/>
+              </a:rPr>
+            </a:br>
+            <a:r>
+              <a:rPr lang="en-US" altLang="zh-TW" b="0" dirty="0">
+                <a:solidFill>
+                  <a:srgbClr val="008000"/>
+                </a:solidFill>
+                <a:effectLst/>
+                <a:latin typeface="Consolas" panose="020B0609020204030204" pitchFamily="49" charset="0"/>
+              </a:rPr>
+              <a:t>    // get a random value between [a, b]</a:t>
+            </a:r>
+            <a:endParaRPr lang="en-US" altLang="zh-TW" b="0" dirty="0">
+              <a:solidFill>
+                <a:srgbClr val="000000"/>
+              </a:solidFill>
+              <a:effectLst/>
+              <a:latin typeface="Consolas" panose="020B0609020204030204" pitchFamily="49" charset="0"/>
+            </a:endParaRPr>
+          </a:p>
+          <a:p>
+            <a:r>
+              <a:rPr lang="en-US" altLang="zh-TW" b="0" dirty="0">
+                <a:solidFill>
+                  <a:srgbClr val="000000"/>
+                </a:solidFill>
+                <a:effectLst/>
+                <a:latin typeface="Consolas" panose="020B0609020204030204" pitchFamily="49" charset="0"/>
+              </a:rPr>
+              <a:t>    </a:t>
+            </a:r>
+            <a:r>
+              <a:rPr lang="en-US" altLang="zh-TW" b="0" dirty="0">
+                <a:solidFill>
+                  <a:srgbClr val="0000FF"/>
+                </a:solidFill>
+                <a:effectLst/>
+                <a:latin typeface="Consolas" panose="020B0609020204030204" pitchFamily="49" charset="0"/>
+              </a:rPr>
+              <a:t>int</a:t>
+            </a:r>
+            <a:r>
+              <a:rPr lang="en-US" altLang="zh-TW" b="0" dirty="0">
+                <a:solidFill>
+                  <a:srgbClr val="000000"/>
+                </a:solidFill>
+                <a:effectLst/>
+                <a:latin typeface="Consolas" panose="020B0609020204030204" pitchFamily="49" charset="0"/>
+              </a:rPr>
+              <a:t> </a:t>
+            </a:r>
+            <a:r>
+              <a:rPr lang="en-US" altLang="zh-TW" b="0" dirty="0">
+                <a:solidFill>
+                  <a:srgbClr val="001080"/>
+                </a:solidFill>
+                <a:effectLst/>
+                <a:latin typeface="Consolas" panose="020B0609020204030204" pitchFamily="49" charset="0"/>
+              </a:rPr>
+              <a:t>a</a:t>
+            </a:r>
+            <a:r>
+              <a:rPr lang="en-US" altLang="zh-TW" b="0" dirty="0">
+                <a:solidFill>
+                  <a:srgbClr val="000000"/>
+                </a:solidFill>
+                <a:effectLst/>
+                <a:latin typeface="Consolas" panose="020B0609020204030204" pitchFamily="49" charset="0"/>
+              </a:rPr>
+              <a:t> = </a:t>
+            </a:r>
+            <a:r>
+              <a:rPr lang="en-US" altLang="zh-TW" b="0" dirty="0">
+                <a:solidFill>
+                  <a:srgbClr val="098658"/>
+                </a:solidFill>
+                <a:effectLst/>
+                <a:latin typeface="Consolas" panose="020B0609020204030204" pitchFamily="49" charset="0"/>
+              </a:rPr>
+              <a:t>5</a:t>
+            </a:r>
+            <a:r>
+              <a:rPr lang="en-US" altLang="zh-TW" b="0" dirty="0">
+                <a:solidFill>
+                  <a:srgbClr val="000000"/>
+                </a:solidFill>
+                <a:effectLst/>
+                <a:latin typeface="Consolas" panose="020B0609020204030204" pitchFamily="49" charset="0"/>
+              </a:rPr>
+              <a:t>;</a:t>
+            </a:r>
+          </a:p>
+          <a:p>
+            <a:r>
+              <a:rPr lang="en-US" altLang="zh-TW" b="0" dirty="0">
+                <a:solidFill>
+                  <a:srgbClr val="000000"/>
+                </a:solidFill>
+                <a:effectLst/>
+                <a:latin typeface="Consolas" panose="020B0609020204030204" pitchFamily="49" charset="0"/>
+              </a:rPr>
+              <a:t>    </a:t>
+            </a:r>
+            <a:r>
+              <a:rPr lang="en-US" altLang="zh-TW" b="0" dirty="0">
+                <a:solidFill>
+                  <a:srgbClr val="0000FF"/>
+                </a:solidFill>
+                <a:effectLst/>
+                <a:latin typeface="Consolas" panose="020B0609020204030204" pitchFamily="49" charset="0"/>
+              </a:rPr>
+              <a:t>int</a:t>
+            </a:r>
+            <a:r>
+              <a:rPr lang="en-US" altLang="zh-TW" b="0" dirty="0">
+                <a:solidFill>
+                  <a:srgbClr val="000000"/>
+                </a:solidFill>
+                <a:effectLst/>
+                <a:latin typeface="Consolas" panose="020B0609020204030204" pitchFamily="49" charset="0"/>
+              </a:rPr>
+              <a:t> </a:t>
+            </a:r>
+            <a:r>
+              <a:rPr lang="en-US" altLang="zh-TW" b="0" dirty="0">
+                <a:solidFill>
+                  <a:srgbClr val="001080"/>
+                </a:solidFill>
+                <a:effectLst/>
+                <a:latin typeface="Consolas" panose="020B0609020204030204" pitchFamily="49" charset="0"/>
+              </a:rPr>
+              <a:t>b</a:t>
+            </a:r>
+            <a:r>
+              <a:rPr lang="en-US" altLang="zh-TW" b="0" dirty="0">
+                <a:solidFill>
+                  <a:srgbClr val="000000"/>
+                </a:solidFill>
+                <a:effectLst/>
+                <a:latin typeface="Consolas" panose="020B0609020204030204" pitchFamily="49" charset="0"/>
+              </a:rPr>
+              <a:t> = </a:t>
+            </a:r>
+            <a:r>
+              <a:rPr lang="en-US" altLang="zh-TW" b="0" dirty="0">
+                <a:solidFill>
+                  <a:srgbClr val="098658"/>
+                </a:solidFill>
+                <a:effectLst/>
+                <a:latin typeface="Consolas" panose="020B0609020204030204" pitchFamily="49" charset="0"/>
+              </a:rPr>
+              <a:t>10</a:t>
+            </a:r>
+            <a:r>
+              <a:rPr lang="en-US" altLang="zh-TW" b="0" dirty="0">
+                <a:solidFill>
+                  <a:srgbClr val="000000"/>
+                </a:solidFill>
+                <a:effectLst/>
+                <a:latin typeface="Consolas" panose="020B0609020204030204" pitchFamily="49" charset="0"/>
+              </a:rPr>
+              <a:t>;</a:t>
+            </a:r>
+          </a:p>
+          <a:p>
+            <a:r>
+              <a:rPr lang="en-US" altLang="zh-TW" b="0" dirty="0">
+                <a:solidFill>
+                  <a:srgbClr val="000000"/>
+                </a:solidFill>
+                <a:effectLst/>
+                <a:latin typeface="Consolas" panose="020B0609020204030204" pitchFamily="49" charset="0"/>
+              </a:rPr>
+              <a:t>    </a:t>
+            </a:r>
+            <a:r>
+              <a:rPr lang="en-US" altLang="zh-TW" b="0" dirty="0">
+                <a:solidFill>
+                  <a:srgbClr val="0000FF"/>
+                </a:solidFill>
+                <a:effectLst/>
+                <a:latin typeface="Consolas" panose="020B0609020204030204" pitchFamily="49" charset="0"/>
+              </a:rPr>
+              <a:t>int</a:t>
+            </a:r>
+            <a:r>
+              <a:rPr lang="en-US" altLang="zh-TW" b="0" dirty="0">
+                <a:solidFill>
+                  <a:srgbClr val="000000"/>
+                </a:solidFill>
+                <a:effectLst/>
+                <a:latin typeface="Consolas" panose="020B0609020204030204" pitchFamily="49" charset="0"/>
+              </a:rPr>
+              <a:t> </a:t>
+            </a:r>
+            <a:r>
+              <a:rPr lang="en-US" altLang="zh-TW" b="0" dirty="0">
+                <a:solidFill>
+                  <a:srgbClr val="001080"/>
+                </a:solidFill>
+                <a:effectLst/>
+                <a:latin typeface="Consolas" panose="020B0609020204030204" pitchFamily="49" charset="0"/>
+              </a:rPr>
+              <a:t>s</a:t>
+            </a:r>
+            <a:r>
+              <a:rPr lang="en-US" altLang="zh-TW" b="0" dirty="0">
+                <a:solidFill>
+                  <a:srgbClr val="000000"/>
+                </a:solidFill>
+                <a:effectLst/>
+                <a:latin typeface="Consolas" panose="020B0609020204030204" pitchFamily="49" charset="0"/>
+              </a:rPr>
+              <a:t> = (</a:t>
+            </a:r>
+            <a:r>
+              <a:rPr lang="en-US" altLang="zh-TW" b="0" dirty="0">
+                <a:solidFill>
+                  <a:srgbClr val="001080"/>
+                </a:solidFill>
+                <a:effectLst/>
+                <a:latin typeface="Consolas" panose="020B0609020204030204" pitchFamily="49" charset="0"/>
+              </a:rPr>
+              <a:t>r</a:t>
+            </a:r>
+            <a:r>
+              <a:rPr lang="en-US" altLang="zh-TW" b="0" dirty="0">
+                <a:solidFill>
+                  <a:srgbClr val="000000"/>
+                </a:solidFill>
+                <a:effectLst/>
+                <a:latin typeface="Consolas" panose="020B0609020204030204" pitchFamily="49" charset="0"/>
+              </a:rPr>
+              <a:t> % (</a:t>
+            </a:r>
+            <a:r>
+              <a:rPr lang="en-US" altLang="zh-TW" b="0" dirty="0">
+                <a:solidFill>
+                  <a:srgbClr val="001080"/>
+                </a:solidFill>
+                <a:effectLst/>
+                <a:latin typeface="Consolas" panose="020B0609020204030204" pitchFamily="49" charset="0"/>
+              </a:rPr>
+              <a:t>b</a:t>
+            </a:r>
+            <a:r>
+              <a:rPr lang="en-US" altLang="zh-TW" b="0" dirty="0">
+                <a:solidFill>
+                  <a:srgbClr val="000000"/>
+                </a:solidFill>
+                <a:effectLst/>
+                <a:latin typeface="Consolas" panose="020B0609020204030204" pitchFamily="49" charset="0"/>
+              </a:rPr>
+              <a:t> - </a:t>
+            </a:r>
+            <a:r>
+              <a:rPr lang="en-US" altLang="zh-TW" b="0" dirty="0">
+                <a:solidFill>
+                  <a:srgbClr val="001080"/>
+                </a:solidFill>
+                <a:effectLst/>
+                <a:latin typeface="Consolas" panose="020B0609020204030204" pitchFamily="49" charset="0"/>
+              </a:rPr>
+              <a:t>a</a:t>
+            </a:r>
+            <a:r>
+              <a:rPr lang="en-US" altLang="zh-TW" b="0" dirty="0">
+                <a:solidFill>
+                  <a:srgbClr val="000000"/>
+                </a:solidFill>
+                <a:effectLst/>
+                <a:latin typeface="Consolas" panose="020B0609020204030204" pitchFamily="49" charset="0"/>
+              </a:rPr>
+              <a:t> + </a:t>
+            </a:r>
+            <a:r>
+              <a:rPr lang="en-US" altLang="zh-TW" b="0" dirty="0">
+                <a:solidFill>
+                  <a:srgbClr val="098658"/>
+                </a:solidFill>
+                <a:effectLst/>
+                <a:latin typeface="Consolas" panose="020B0609020204030204" pitchFamily="49" charset="0"/>
+              </a:rPr>
+              <a:t>1</a:t>
+            </a:r>
+            <a:r>
+              <a:rPr lang="en-US" altLang="zh-TW" b="0" dirty="0">
+                <a:solidFill>
+                  <a:srgbClr val="000000"/>
+                </a:solidFill>
+                <a:effectLst/>
+                <a:latin typeface="Consolas" panose="020B0609020204030204" pitchFamily="49" charset="0"/>
+              </a:rPr>
+              <a:t>)) + </a:t>
+            </a:r>
+            <a:r>
+              <a:rPr lang="en-US" altLang="zh-TW" b="0" dirty="0">
+                <a:solidFill>
+                  <a:srgbClr val="001080"/>
+                </a:solidFill>
+                <a:effectLst/>
+                <a:latin typeface="Consolas" panose="020B0609020204030204" pitchFamily="49" charset="0"/>
+              </a:rPr>
+              <a:t>a</a:t>
+            </a:r>
+            <a:r>
+              <a:rPr lang="en-US" altLang="zh-TW" b="0" dirty="0">
+                <a:solidFill>
+                  <a:srgbClr val="000000"/>
+                </a:solidFill>
+                <a:effectLst/>
+                <a:latin typeface="Consolas" panose="020B0609020204030204" pitchFamily="49" charset="0"/>
+              </a:rPr>
+              <a:t>;</a:t>
+            </a:r>
+          </a:p>
+          <a:p>
+            <a:br>
+              <a:rPr lang="en-US" altLang="zh-TW" b="0" dirty="0">
+                <a:solidFill>
+                  <a:srgbClr val="000000"/>
+                </a:solidFill>
+                <a:effectLst/>
+                <a:latin typeface="Consolas" panose="020B0609020204030204" pitchFamily="49" charset="0"/>
+              </a:rPr>
+            </a:br>
+            <a:r>
+              <a:rPr lang="en-US" altLang="zh-TW" b="0" dirty="0">
+                <a:solidFill>
+                  <a:srgbClr val="000000"/>
+                </a:solidFill>
+                <a:effectLst/>
+                <a:latin typeface="Consolas" panose="020B0609020204030204" pitchFamily="49" charset="0"/>
+              </a:rPr>
+              <a:t>    </a:t>
+            </a:r>
+            <a:r>
+              <a:rPr lang="en-US" altLang="zh-TW" b="0" dirty="0">
+                <a:solidFill>
+                  <a:srgbClr val="267F99"/>
+                </a:solidFill>
+                <a:effectLst/>
+                <a:latin typeface="Consolas" panose="020B0609020204030204" pitchFamily="49" charset="0"/>
+              </a:rPr>
+              <a:t>std</a:t>
+            </a:r>
+            <a:r>
+              <a:rPr lang="en-US" altLang="zh-TW" b="0" dirty="0">
+                <a:solidFill>
+                  <a:srgbClr val="000000"/>
+                </a:solidFill>
+                <a:effectLst/>
+                <a:latin typeface="Consolas" panose="020B0609020204030204" pitchFamily="49" charset="0"/>
+              </a:rPr>
+              <a:t>::</a:t>
+            </a:r>
+            <a:r>
+              <a:rPr lang="en-US" altLang="zh-TW" b="0" dirty="0" err="1">
+                <a:solidFill>
+                  <a:srgbClr val="001080"/>
+                </a:solidFill>
+                <a:effectLst/>
+                <a:latin typeface="Consolas" panose="020B0609020204030204" pitchFamily="49" charset="0"/>
+              </a:rPr>
+              <a:t>cout</a:t>
+            </a:r>
+            <a:r>
+              <a:rPr lang="en-US" altLang="zh-TW" b="0" dirty="0">
+                <a:solidFill>
+                  <a:srgbClr val="000000"/>
+                </a:solidFill>
+                <a:effectLst/>
+                <a:latin typeface="Consolas" panose="020B0609020204030204" pitchFamily="49" charset="0"/>
+              </a:rPr>
+              <a:t> </a:t>
+            </a:r>
+            <a:r>
+              <a:rPr lang="en-US" altLang="zh-TW" b="0" dirty="0">
+                <a:solidFill>
+                  <a:srgbClr val="795E26"/>
+                </a:solidFill>
+                <a:effectLst/>
+                <a:latin typeface="Consolas" panose="020B0609020204030204" pitchFamily="49" charset="0"/>
+              </a:rPr>
+              <a:t>&lt;&lt;</a:t>
+            </a:r>
+            <a:r>
+              <a:rPr lang="en-US" altLang="zh-TW" b="0" dirty="0">
+                <a:solidFill>
+                  <a:srgbClr val="000000"/>
+                </a:solidFill>
+                <a:effectLst/>
+                <a:latin typeface="Consolas" panose="020B0609020204030204" pitchFamily="49" charset="0"/>
+              </a:rPr>
+              <a:t> </a:t>
+            </a:r>
+            <a:r>
+              <a:rPr lang="en-US" altLang="zh-TW" b="0" dirty="0">
+                <a:solidFill>
+                  <a:srgbClr val="001080"/>
+                </a:solidFill>
+                <a:effectLst/>
+                <a:latin typeface="Consolas" panose="020B0609020204030204" pitchFamily="49" charset="0"/>
+              </a:rPr>
+              <a:t>s</a:t>
+            </a:r>
+            <a:r>
+              <a:rPr lang="en-US" altLang="zh-TW" b="0" dirty="0">
+                <a:solidFill>
+                  <a:srgbClr val="000000"/>
+                </a:solidFill>
+                <a:effectLst/>
+                <a:latin typeface="Consolas" panose="020B0609020204030204" pitchFamily="49" charset="0"/>
+              </a:rPr>
+              <a:t> </a:t>
+            </a:r>
+            <a:r>
+              <a:rPr lang="en-US" altLang="zh-TW" b="0" dirty="0">
+                <a:solidFill>
+                  <a:srgbClr val="795E26"/>
+                </a:solidFill>
+                <a:effectLst/>
+                <a:latin typeface="Consolas" panose="020B0609020204030204" pitchFamily="49" charset="0"/>
+              </a:rPr>
+              <a:t>&lt;&lt;</a:t>
+            </a:r>
+            <a:r>
+              <a:rPr lang="en-US" altLang="zh-TW" b="0" dirty="0">
+                <a:solidFill>
+                  <a:srgbClr val="000000"/>
+                </a:solidFill>
+                <a:effectLst/>
+                <a:latin typeface="Consolas" panose="020B0609020204030204" pitchFamily="49" charset="0"/>
+              </a:rPr>
+              <a:t> </a:t>
+            </a:r>
+            <a:r>
+              <a:rPr lang="en-US" altLang="zh-TW" b="0" dirty="0">
+                <a:solidFill>
+                  <a:srgbClr val="A31515"/>
+                </a:solidFill>
+                <a:effectLst/>
+                <a:latin typeface="Consolas" panose="020B0609020204030204" pitchFamily="49" charset="0"/>
+              </a:rPr>
+              <a:t>"</a:t>
+            </a:r>
+            <a:r>
+              <a:rPr lang="en-US" altLang="zh-TW" b="0" dirty="0">
+                <a:solidFill>
+                  <a:srgbClr val="EE0000"/>
+                </a:solidFill>
+                <a:effectLst/>
+                <a:latin typeface="Consolas" panose="020B0609020204030204" pitchFamily="49" charset="0"/>
+              </a:rPr>
+              <a:t>\n</a:t>
+            </a:r>
+            <a:r>
+              <a:rPr lang="en-US" altLang="zh-TW" b="0" dirty="0">
+                <a:solidFill>
+                  <a:srgbClr val="A31515"/>
+                </a:solidFill>
+                <a:effectLst/>
+                <a:latin typeface="Consolas" panose="020B0609020204030204" pitchFamily="49" charset="0"/>
+              </a:rPr>
+              <a:t>"</a:t>
+            </a:r>
+            <a:r>
+              <a:rPr lang="en-US" altLang="zh-TW" b="0" dirty="0">
+                <a:solidFill>
+                  <a:srgbClr val="000000"/>
+                </a:solidFill>
+                <a:effectLst/>
+                <a:latin typeface="Consolas" panose="020B0609020204030204" pitchFamily="49" charset="0"/>
+              </a:rPr>
+              <a:t>;</a:t>
+            </a:r>
+          </a:p>
+          <a:p>
+            <a:r>
+              <a:rPr lang="en-US" altLang="zh-TW" b="0" dirty="0">
+                <a:solidFill>
+                  <a:srgbClr val="000000"/>
+                </a:solidFill>
+                <a:effectLst/>
+                <a:latin typeface="Consolas" panose="020B0609020204030204" pitchFamily="49" charset="0"/>
+              </a:rPr>
+              <a:t>    </a:t>
+            </a:r>
+            <a:r>
+              <a:rPr lang="en-US" altLang="zh-TW" b="0" dirty="0">
+                <a:solidFill>
+                  <a:srgbClr val="AF00DB"/>
+                </a:solidFill>
+                <a:effectLst/>
+                <a:latin typeface="Consolas" panose="020B0609020204030204" pitchFamily="49" charset="0"/>
+              </a:rPr>
+              <a:t>return</a:t>
+            </a:r>
+            <a:r>
+              <a:rPr lang="en-US" altLang="zh-TW" b="0" dirty="0">
+                <a:solidFill>
+                  <a:srgbClr val="000000"/>
+                </a:solidFill>
+                <a:effectLst/>
+                <a:latin typeface="Consolas" panose="020B0609020204030204" pitchFamily="49" charset="0"/>
+              </a:rPr>
+              <a:t> </a:t>
+            </a:r>
+            <a:r>
+              <a:rPr lang="en-US" altLang="zh-TW" b="0" dirty="0">
+                <a:solidFill>
+                  <a:srgbClr val="098658"/>
+                </a:solidFill>
+                <a:effectLst/>
+                <a:latin typeface="Consolas" panose="020B0609020204030204" pitchFamily="49" charset="0"/>
+              </a:rPr>
+              <a:t>0</a:t>
+            </a:r>
+            <a:r>
+              <a:rPr lang="en-US" altLang="zh-TW" b="0" dirty="0">
+                <a:solidFill>
+                  <a:srgbClr val="000000"/>
+                </a:solidFill>
+                <a:effectLst/>
+                <a:latin typeface="Consolas" panose="020B0609020204030204" pitchFamily="49" charset="0"/>
+              </a:rPr>
+              <a:t>;</a:t>
+            </a:r>
+          </a:p>
+          <a:p>
+            <a:r>
+              <a:rPr lang="en-US" altLang="zh-TW" b="0" dirty="0">
+                <a:solidFill>
+                  <a:srgbClr val="000000"/>
+                </a:solidFill>
+                <a:effectLst/>
+                <a:latin typeface="Consolas" panose="020B0609020204030204" pitchFamily="49" charset="0"/>
+              </a:rPr>
+              <a:t>}</a:t>
+            </a:r>
+          </a:p>
+        </p:txBody>
+      </p:sp>
+      <p:pic>
+        <p:nvPicPr>
+          <p:cNvPr id="9" name="圖片 8">
+            <a:extLst>
+              <a:ext uri="{FF2B5EF4-FFF2-40B4-BE49-F238E27FC236}">
+                <a16:creationId xmlns:a16="http://schemas.microsoft.com/office/drawing/2014/main" id="{89BF5027-1093-4235-88CB-C59B8D0F7C84}"/>
+              </a:ext>
+            </a:extLst>
+          </p:cNvPr>
+          <p:cNvPicPr>
+            <a:picLocks noChangeAspect="1"/>
+          </p:cNvPicPr>
+          <p:nvPr/>
+        </p:nvPicPr>
+        <p:blipFill>
+          <a:blip r:embed="rId2"/>
+          <a:stretch>
+            <a:fillRect/>
+          </a:stretch>
+        </p:blipFill>
+        <p:spPr>
+          <a:xfrm>
+            <a:off x="6096000" y="4792133"/>
+            <a:ext cx="5897068" cy="1751045"/>
+          </a:xfrm>
+          <a:prstGeom prst="rect">
+            <a:avLst/>
+          </a:prstGeom>
+          <a:ln w="28575">
+            <a:solidFill>
+              <a:srgbClr val="FF0000"/>
+            </a:solidFill>
+          </a:ln>
+        </p:spPr>
+      </p:pic>
+    </p:spTree>
+    <p:extLst>
+      <p:ext uri="{BB962C8B-B14F-4D97-AF65-F5344CB8AC3E}">
+        <p14:creationId xmlns:p14="http://schemas.microsoft.com/office/powerpoint/2010/main" val="3960834932"/>
+      </p:ext>
+    </p:extLst>
+  </p:cSld>
+  <p:clrMapOvr>
+    <a:masterClrMapping/>
+  </p:clrMapOvr>
+</p:sld>
+</file>
+
+<file path=ppt/slides/slide13.xml><?xml version="1.0" encoding="utf-8"?>
+<p:sld xmlns:a="http://schemas.openxmlformats.org/drawingml/2006/main" xmlns:r="http://schemas.openxmlformats.org/officeDocument/2006/relationships" xmlns:p="http://schemas.openxmlformats.org/presentationml/2006/main">
+  <p:cSld>
+    <p:spTree>
+      <p:nvGrpSpPr>
+        <p:cNvPr id="1" name=""/>
+        <p:cNvGrpSpPr/>
+        <p:nvPr/>
+      </p:nvGrpSpPr>
+      <p:grpSpPr>
+        <a:xfrm>
+          <a:off x="0" y="0"/>
+          <a:ext cx="0" cy="0"/>
+          <a:chOff x="0" y="0"/>
+          <a:chExt cx="0" cy="0"/>
+        </a:xfrm>
+      </p:grpSpPr>
+      <p:sp>
+        <p:nvSpPr>
+          <p:cNvPr id="2" name="標題 1">
+            <a:extLst>
+              <a:ext uri="{FF2B5EF4-FFF2-40B4-BE49-F238E27FC236}">
+                <a16:creationId xmlns:a16="http://schemas.microsoft.com/office/drawing/2014/main" id="{496101C3-A997-42D5-A74C-14473260590F}"/>
+              </a:ext>
+            </a:extLst>
+          </p:cNvPr>
+          <p:cNvSpPr>
+            <a:spLocks noGrp="1"/>
+          </p:cNvSpPr>
+          <p:nvPr>
+            <p:ph type="title"/>
+          </p:nvPr>
+        </p:nvSpPr>
+        <p:spPr/>
+        <p:txBody>
+          <a:bodyPr/>
+          <a:lstStyle/>
+          <a:p>
+            <a:r>
+              <a:rPr lang="en-US" altLang="zh-TW" dirty="0"/>
+              <a:t>Random Generator</a:t>
+            </a:r>
+            <a:r>
+              <a:rPr lang="zh-TW" altLang="en-US" dirty="0"/>
+              <a:t> </a:t>
+            </a:r>
+            <a:r>
+              <a:rPr lang="en-US" altLang="zh-TW" dirty="0"/>
+              <a:t>–</a:t>
+            </a:r>
+            <a:r>
+              <a:rPr lang="zh-TW" altLang="en-US" dirty="0"/>
+              <a:t> </a:t>
+            </a:r>
+            <a:r>
+              <a:rPr lang="en-US" altLang="zh-TW" dirty="0"/>
+              <a:t>C-style</a:t>
+            </a:r>
+            <a:endParaRPr lang="zh-TW" altLang="en-US" dirty="0"/>
+          </a:p>
+        </p:txBody>
+      </p:sp>
+      <p:sp>
+        <p:nvSpPr>
+          <p:cNvPr id="5" name="文字方塊 4">
+            <a:extLst>
+              <a:ext uri="{FF2B5EF4-FFF2-40B4-BE49-F238E27FC236}">
+                <a16:creationId xmlns:a16="http://schemas.microsoft.com/office/drawing/2014/main" id="{3BF927DF-F9DA-425C-9617-A458B6B10579}"/>
+              </a:ext>
+            </a:extLst>
+          </p:cNvPr>
+          <p:cNvSpPr txBox="1"/>
+          <p:nvPr/>
+        </p:nvSpPr>
+        <p:spPr>
+          <a:xfrm>
+            <a:off x="857774" y="2065867"/>
+            <a:ext cx="6094602" cy="1200329"/>
+          </a:xfrm>
+          <a:prstGeom prst="rect">
+            <a:avLst/>
+          </a:prstGeom>
+          <a:solidFill>
+            <a:schemeClr val="tx1"/>
+          </a:solidFill>
+        </p:spPr>
+        <p:txBody>
+          <a:bodyPr wrap="square">
+            <a:spAutoFit/>
+          </a:bodyPr>
+          <a:lstStyle/>
+          <a:p>
+            <a:r>
+              <a:rPr lang="en-US" altLang="zh-TW" b="0" dirty="0">
+                <a:solidFill>
+                  <a:srgbClr val="AF00DB"/>
+                </a:solidFill>
+                <a:effectLst/>
+                <a:latin typeface="Consolas" panose="020B0609020204030204" pitchFamily="49" charset="0"/>
+              </a:rPr>
+              <a:t>#ifdef</a:t>
+            </a:r>
+            <a:r>
+              <a:rPr lang="en-US" altLang="zh-TW" b="0" dirty="0">
+                <a:solidFill>
+                  <a:srgbClr val="0000FF"/>
+                </a:solidFill>
+                <a:effectLst/>
+                <a:latin typeface="Consolas" panose="020B0609020204030204" pitchFamily="49" charset="0"/>
+              </a:rPr>
+              <a:t> SEED</a:t>
+            </a:r>
+            <a:endParaRPr lang="en-US" altLang="zh-TW" b="0" dirty="0">
+              <a:solidFill>
+                <a:srgbClr val="000000"/>
+              </a:solidFill>
+              <a:effectLst/>
+              <a:latin typeface="Consolas" panose="020B0609020204030204" pitchFamily="49" charset="0"/>
+            </a:endParaRPr>
+          </a:p>
+          <a:p>
+            <a:r>
+              <a:rPr lang="en-US" altLang="zh-TW" b="0" dirty="0">
+                <a:solidFill>
+                  <a:srgbClr val="008000"/>
+                </a:solidFill>
+                <a:effectLst/>
+                <a:latin typeface="Consolas" panose="020B0609020204030204" pitchFamily="49" charset="0"/>
+              </a:rPr>
+              <a:t>    // initialize random seed by system time </a:t>
+            </a:r>
+            <a:endParaRPr lang="en-US" altLang="zh-TW" b="0" dirty="0">
+              <a:solidFill>
+                <a:srgbClr val="000000"/>
+              </a:solidFill>
+              <a:effectLst/>
+              <a:latin typeface="Consolas" panose="020B0609020204030204" pitchFamily="49" charset="0"/>
+            </a:endParaRPr>
+          </a:p>
+          <a:p>
+            <a:r>
+              <a:rPr lang="en-US" altLang="zh-TW" b="0" dirty="0">
+                <a:solidFill>
+                  <a:srgbClr val="000000"/>
+                </a:solidFill>
+                <a:effectLst/>
+                <a:latin typeface="Consolas" panose="020B0609020204030204" pitchFamily="49" charset="0"/>
+              </a:rPr>
+              <a:t>    </a:t>
+            </a:r>
+            <a:r>
+              <a:rPr lang="en-US" altLang="zh-TW" b="0" dirty="0" err="1">
+                <a:solidFill>
+                  <a:srgbClr val="795E26"/>
+                </a:solidFill>
+                <a:effectLst/>
+                <a:latin typeface="Consolas" panose="020B0609020204030204" pitchFamily="49" charset="0"/>
+              </a:rPr>
+              <a:t>srand</a:t>
+            </a:r>
+            <a:r>
+              <a:rPr lang="en-US" altLang="zh-TW" b="0" dirty="0">
+                <a:solidFill>
+                  <a:srgbClr val="000000"/>
+                </a:solidFill>
+                <a:effectLst/>
+                <a:latin typeface="Consolas" panose="020B0609020204030204" pitchFamily="49" charset="0"/>
+              </a:rPr>
+              <a:t> (</a:t>
+            </a:r>
+            <a:r>
+              <a:rPr lang="en-US" altLang="zh-TW" b="0" dirty="0">
+                <a:solidFill>
+                  <a:srgbClr val="795E26"/>
+                </a:solidFill>
+                <a:effectLst/>
+                <a:latin typeface="Consolas" panose="020B0609020204030204" pitchFamily="49" charset="0"/>
+              </a:rPr>
+              <a:t>time</a:t>
+            </a:r>
+            <a:r>
+              <a:rPr lang="en-US" altLang="zh-TW" b="0" dirty="0">
+                <a:solidFill>
+                  <a:srgbClr val="000000"/>
+                </a:solidFill>
+                <a:effectLst/>
+                <a:latin typeface="Consolas" panose="020B0609020204030204" pitchFamily="49" charset="0"/>
+              </a:rPr>
+              <a:t>(</a:t>
+            </a:r>
+            <a:r>
+              <a:rPr lang="en-US" altLang="zh-TW" b="0" dirty="0">
+                <a:solidFill>
+                  <a:srgbClr val="0000FF"/>
+                </a:solidFill>
+                <a:effectLst/>
+                <a:latin typeface="Consolas" panose="020B0609020204030204" pitchFamily="49" charset="0"/>
+              </a:rPr>
+              <a:t>NULL</a:t>
+            </a:r>
+            <a:r>
+              <a:rPr lang="en-US" altLang="zh-TW" b="0" dirty="0">
+                <a:solidFill>
+                  <a:srgbClr val="000000"/>
+                </a:solidFill>
+                <a:effectLst/>
+                <a:latin typeface="Consolas" panose="020B0609020204030204" pitchFamily="49" charset="0"/>
+              </a:rPr>
+              <a:t>));</a:t>
+            </a:r>
+          </a:p>
+          <a:p>
+            <a:r>
+              <a:rPr lang="en-US" altLang="zh-TW" b="0" dirty="0">
+                <a:solidFill>
+                  <a:srgbClr val="AF00DB"/>
+                </a:solidFill>
+                <a:effectLst/>
+                <a:latin typeface="Consolas" panose="020B0609020204030204" pitchFamily="49" charset="0"/>
+              </a:rPr>
+              <a:t>#endif</a:t>
+            </a:r>
+            <a:endParaRPr lang="en-US" altLang="zh-TW" b="0" dirty="0">
+              <a:solidFill>
+                <a:srgbClr val="000000"/>
+              </a:solidFill>
+              <a:effectLst/>
+              <a:latin typeface="Consolas" panose="020B0609020204030204" pitchFamily="49" charset="0"/>
+            </a:endParaRPr>
+          </a:p>
+        </p:txBody>
+      </p:sp>
+      <p:pic>
+        <p:nvPicPr>
+          <p:cNvPr id="7" name="圖片 6">
+            <a:extLst>
+              <a:ext uri="{FF2B5EF4-FFF2-40B4-BE49-F238E27FC236}">
+                <a16:creationId xmlns:a16="http://schemas.microsoft.com/office/drawing/2014/main" id="{7F7F3B8A-9245-4757-9507-9F7B8A43AD28}"/>
+              </a:ext>
+            </a:extLst>
+          </p:cNvPr>
+          <p:cNvPicPr>
+            <a:picLocks noChangeAspect="1"/>
+          </p:cNvPicPr>
+          <p:nvPr/>
+        </p:nvPicPr>
+        <p:blipFill>
+          <a:blip r:embed="rId2"/>
+          <a:stretch>
+            <a:fillRect/>
+          </a:stretch>
+        </p:blipFill>
+        <p:spPr>
+          <a:xfrm>
+            <a:off x="4420610" y="3891027"/>
+            <a:ext cx="7329565" cy="1709869"/>
+          </a:xfrm>
+          <a:prstGeom prst="rect">
+            <a:avLst/>
+          </a:prstGeom>
+          <a:ln w="38100">
+            <a:solidFill>
+              <a:schemeClr val="accent6"/>
+            </a:solidFill>
+          </a:ln>
+        </p:spPr>
+      </p:pic>
+    </p:spTree>
+    <p:extLst>
+      <p:ext uri="{BB962C8B-B14F-4D97-AF65-F5344CB8AC3E}">
+        <p14:creationId xmlns:p14="http://schemas.microsoft.com/office/powerpoint/2010/main" val="1587715078"/>
+      </p:ext>
+    </p:extLst>
+  </p:cSld>
+  <p:clrMapOvr>
+    <a:masterClrMapping/>
+  </p:clrMapOvr>
+</p:sld>
+</file>
+
+<file path=ppt/slides/slide14.xml><?xml version="1.0" encoding="utf-8"?>
+<p:sld xmlns:a="http://schemas.openxmlformats.org/drawingml/2006/main" xmlns:r="http://schemas.openxmlformats.org/officeDocument/2006/relationships" xmlns:p="http://schemas.openxmlformats.org/presentationml/2006/main">
+  <p:cSld>
+    <p:spTree>
+      <p:nvGrpSpPr>
+        <p:cNvPr id="1" name=""/>
+        <p:cNvGrpSpPr/>
+        <p:nvPr/>
+      </p:nvGrpSpPr>
+      <p:grpSpPr>
+        <a:xfrm>
+          <a:off x="0" y="0"/>
+          <a:ext cx="0" cy="0"/>
+          <a:chOff x="0" y="0"/>
+          <a:chExt cx="0" cy="0"/>
+        </a:xfrm>
+      </p:grpSpPr>
+      <p:sp>
+        <p:nvSpPr>
+          <p:cNvPr id="2" name="標題 1">
+            <a:extLst>
+              <a:ext uri="{FF2B5EF4-FFF2-40B4-BE49-F238E27FC236}">
+                <a16:creationId xmlns:a16="http://schemas.microsoft.com/office/drawing/2014/main" id="{2ECAA3D2-3AE8-4B32-9B6B-DF1481EA1907}"/>
+              </a:ext>
+            </a:extLst>
+          </p:cNvPr>
+          <p:cNvSpPr>
+            <a:spLocks noGrp="1"/>
+          </p:cNvSpPr>
+          <p:nvPr>
+            <p:ph type="title"/>
+          </p:nvPr>
+        </p:nvSpPr>
+        <p:spPr/>
+        <p:txBody>
+          <a:bodyPr/>
+          <a:lstStyle/>
+          <a:p>
+            <a:r>
+              <a:rPr lang="en-US" altLang="zh-TW" dirty="0"/>
+              <a:t>Common Pitfalls</a:t>
+            </a:r>
+            <a:endParaRPr lang="zh-TW" altLang="en-US" dirty="0"/>
+          </a:p>
+        </p:txBody>
+      </p:sp>
+      <p:sp>
+        <p:nvSpPr>
+          <p:cNvPr id="5" name="文字方塊 4">
+            <a:extLst>
+              <a:ext uri="{FF2B5EF4-FFF2-40B4-BE49-F238E27FC236}">
+                <a16:creationId xmlns:a16="http://schemas.microsoft.com/office/drawing/2014/main" id="{5FE7A3EB-ECBC-48DE-B5F1-9BAE49322847}"/>
+              </a:ext>
+            </a:extLst>
+          </p:cNvPr>
+          <p:cNvSpPr txBox="1"/>
+          <p:nvPr/>
+        </p:nvSpPr>
+        <p:spPr>
+          <a:xfrm>
+            <a:off x="685801" y="1895399"/>
+            <a:ext cx="8277837" cy="2031325"/>
+          </a:xfrm>
+          <a:prstGeom prst="rect">
+            <a:avLst/>
+          </a:prstGeom>
+          <a:solidFill>
+            <a:schemeClr val="tx1"/>
+          </a:solidFill>
+        </p:spPr>
+        <p:txBody>
+          <a:bodyPr wrap="square">
+            <a:spAutoFit/>
+          </a:bodyPr>
+          <a:lstStyle/>
+          <a:p>
+            <a:r>
+              <a:rPr lang="en-US" altLang="zh-TW" b="0" dirty="0">
+                <a:solidFill>
+                  <a:srgbClr val="008000"/>
+                </a:solidFill>
+                <a:effectLst/>
+                <a:latin typeface="Consolas" panose="020B0609020204030204" pitchFamily="49" charset="0"/>
+              </a:rPr>
+              <a:t>    // return a random integer between 0 and RAND_MAX inclusive.</a:t>
+            </a:r>
+            <a:endParaRPr lang="en-US" altLang="zh-TW" b="0" dirty="0">
+              <a:solidFill>
+                <a:srgbClr val="000000"/>
+              </a:solidFill>
+              <a:effectLst/>
+              <a:latin typeface="Consolas" panose="020B0609020204030204" pitchFamily="49" charset="0"/>
+            </a:endParaRPr>
+          </a:p>
+          <a:p>
+            <a:r>
+              <a:rPr lang="en-US" altLang="zh-TW" b="0" dirty="0">
+                <a:solidFill>
+                  <a:srgbClr val="000000"/>
+                </a:solidFill>
+                <a:effectLst/>
+                <a:latin typeface="Consolas" panose="020B0609020204030204" pitchFamily="49" charset="0"/>
+              </a:rPr>
+              <a:t>    </a:t>
+            </a:r>
+            <a:r>
+              <a:rPr lang="en-US" altLang="zh-TW" b="0" dirty="0">
+                <a:solidFill>
+                  <a:srgbClr val="0000FF"/>
+                </a:solidFill>
+                <a:effectLst/>
+                <a:latin typeface="Consolas" panose="020B0609020204030204" pitchFamily="49" charset="0"/>
+              </a:rPr>
+              <a:t>int</a:t>
+            </a:r>
+            <a:r>
+              <a:rPr lang="en-US" altLang="zh-TW" b="0" dirty="0">
+                <a:solidFill>
+                  <a:srgbClr val="000000"/>
+                </a:solidFill>
+                <a:effectLst/>
+                <a:latin typeface="Consolas" panose="020B0609020204030204" pitchFamily="49" charset="0"/>
+              </a:rPr>
+              <a:t> </a:t>
+            </a:r>
+            <a:r>
+              <a:rPr lang="en-US" altLang="zh-TW" b="0" dirty="0">
+                <a:solidFill>
+                  <a:srgbClr val="001080"/>
+                </a:solidFill>
+                <a:effectLst/>
+                <a:latin typeface="Consolas" panose="020B0609020204030204" pitchFamily="49" charset="0"/>
+              </a:rPr>
+              <a:t>r</a:t>
+            </a:r>
+            <a:r>
+              <a:rPr lang="en-US" altLang="zh-TW" b="0" dirty="0">
+                <a:solidFill>
+                  <a:srgbClr val="000000"/>
+                </a:solidFill>
+                <a:effectLst/>
+                <a:latin typeface="Consolas" panose="020B0609020204030204" pitchFamily="49" charset="0"/>
+              </a:rPr>
+              <a:t> = </a:t>
+            </a:r>
+            <a:r>
+              <a:rPr lang="en-US" altLang="zh-TW" b="0" dirty="0">
+                <a:solidFill>
+                  <a:srgbClr val="267F99"/>
+                </a:solidFill>
+                <a:effectLst/>
+                <a:latin typeface="Consolas" panose="020B0609020204030204" pitchFamily="49" charset="0"/>
+              </a:rPr>
+              <a:t>std</a:t>
+            </a:r>
+            <a:r>
+              <a:rPr lang="en-US" altLang="zh-TW" b="0" dirty="0">
+                <a:solidFill>
+                  <a:srgbClr val="000000"/>
+                </a:solidFill>
+                <a:effectLst/>
+                <a:latin typeface="Consolas" panose="020B0609020204030204" pitchFamily="49" charset="0"/>
+              </a:rPr>
+              <a:t>::</a:t>
+            </a:r>
+            <a:r>
+              <a:rPr lang="en-US" altLang="zh-TW" b="0" dirty="0">
+                <a:solidFill>
+                  <a:srgbClr val="795E26"/>
+                </a:solidFill>
+                <a:effectLst/>
+                <a:latin typeface="Consolas" panose="020B0609020204030204" pitchFamily="49" charset="0"/>
+              </a:rPr>
+              <a:t>rand</a:t>
+            </a:r>
+            <a:r>
+              <a:rPr lang="en-US" altLang="zh-TW" b="0" dirty="0">
+                <a:solidFill>
+                  <a:srgbClr val="000000"/>
+                </a:solidFill>
+                <a:effectLst/>
+                <a:latin typeface="Consolas" panose="020B0609020204030204" pitchFamily="49" charset="0"/>
+              </a:rPr>
+              <a:t>();</a:t>
+            </a:r>
+          </a:p>
+          <a:p>
+            <a:br>
+              <a:rPr lang="en-US" altLang="zh-TW" b="0" dirty="0">
+                <a:solidFill>
+                  <a:srgbClr val="000000"/>
+                </a:solidFill>
+                <a:effectLst/>
+                <a:latin typeface="Consolas" panose="020B0609020204030204" pitchFamily="49" charset="0"/>
+              </a:rPr>
+            </a:br>
+            <a:r>
+              <a:rPr lang="en-US" altLang="zh-TW" b="0" dirty="0">
+                <a:solidFill>
+                  <a:srgbClr val="008000"/>
+                </a:solidFill>
+                <a:effectLst/>
+                <a:latin typeface="Consolas" panose="020B0609020204030204" pitchFamily="49" charset="0"/>
+              </a:rPr>
+              <a:t>    // get a random value between [a, b]</a:t>
+            </a:r>
+            <a:endParaRPr lang="en-US" altLang="zh-TW" b="0" dirty="0">
+              <a:solidFill>
+                <a:srgbClr val="000000"/>
+              </a:solidFill>
+              <a:effectLst/>
+              <a:latin typeface="Consolas" panose="020B0609020204030204" pitchFamily="49" charset="0"/>
+            </a:endParaRPr>
+          </a:p>
+          <a:p>
+            <a:r>
+              <a:rPr lang="en-US" altLang="zh-TW" b="0" dirty="0">
+                <a:solidFill>
+                  <a:srgbClr val="000000"/>
+                </a:solidFill>
+                <a:effectLst/>
+                <a:latin typeface="Consolas" panose="020B0609020204030204" pitchFamily="49" charset="0"/>
+              </a:rPr>
+              <a:t>    </a:t>
+            </a:r>
+            <a:r>
+              <a:rPr lang="en-US" altLang="zh-TW" b="0" dirty="0">
+                <a:solidFill>
+                  <a:srgbClr val="0000FF"/>
+                </a:solidFill>
+                <a:effectLst/>
+                <a:latin typeface="Consolas" panose="020B0609020204030204" pitchFamily="49" charset="0"/>
+              </a:rPr>
+              <a:t>int</a:t>
+            </a:r>
+            <a:r>
+              <a:rPr lang="en-US" altLang="zh-TW" b="0" dirty="0">
+                <a:solidFill>
+                  <a:srgbClr val="000000"/>
+                </a:solidFill>
+                <a:effectLst/>
+                <a:latin typeface="Consolas" panose="020B0609020204030204" pitchFamily="49" charset="0"/>
+              </a:rPr>
+              <a:t> </a:t>
+            </a:r>
+            <a:r>
+              <a:rPr lang="en-US" altLang="zh-TW" b="0" dirty="0">
+                <a:solidFill>
+                  <a:srgbClr val="001080"/>
+                </a:solidFill>
+                <a:effectLst/>
+                <a:latin typeface="Consolas" panose="020B0609020204030204" pitchFamily="49" charset="0"/>
+              </a:rPr>
+              <a:t>a</a:t>
+            </a:r>
+            <a:r>
+              <a:rPr lang="en-US" altLang="zh-TW" b="0" dirty="0">
+                <a:solidFill>
+                  <a:srgbClr val="000000"/>
+                </a:solidFill>
+                <a:effectLst/>
+                <a:latin typeface="Consolas" panose="020B0609020204030204" pitchFamily="49" charset="0"/>
+              </a:rPr>
+              <a:t> = </a:t>
+            </a:r>
+            <a:r>
+              <a:rPr lang="en-US" altLang="zh-TW" b="0" dirty="0">
+                <a:solidFill>
+                  <a:srgbClr val="098658"/>
+                </a:solidFill>
+                <a:effectLst/>
+                <a:latin typeface="Consolas" panose="020B0609020204030204" pitchFamily="49" charset="0"/>
+              </a:rPr>
+              <a:t>10</a:t>
+            </a:r>
+            <a:r>
+              <a:rPr lang="en-US" altLang="zh-TW" b="0" dirty="0">
+                <a:solidFill>
+                  <a:srgbClr val="000000"/>
+                </a:solidFill>
+                <a:effectLst/>
+                <a:latin typeface="Consolas" panose="020B0609020204030204" pitchFamily="49" charset="0"/>
+              </a:rPr>
+              <a:t>;</a:t>
+            </a:r>
+          </a:p>
+          <a:p>
+            <a:r>
+              <a:rPr lang="en-US" altLang="zh-TW" b="0" dirty="0">
+                <a:solidFill>
+                  <a:srgbClr val="000000"/>
+                </a:solidFill>
+                <a:effectLst/>
+                <a:latin typeface="Consolas" panose="020B0609020204030204" pitchFamily="49" charset="0"/>
+              </a:rPr>
+              <a:t>    </a:t>
+            </a:r>
+            <a:r>
+              <a:rPr lang="en-US" altLang="zh-TW" b="0" dirty="0">
+                <a:solidFill>
+                  <a:srgbClr val="0000FF"/>
+                </a:solidFill>
+                <a:effectLst/>
+                <a:latin typeface="Consolas" panose="020B0609020204030204" pitchFamily="49" charset="0"/>
+              </a:rPr>
+              <a:t>int</a:t>
+            </a:r>
+            <a:r>
+              <a:rPr lang="en-US" altLang="zh-TW" b="0" dirty="0">
+                <a:solidFill>
+                  <a:srgbClr val="000000"/>
+                </a:solidFill>
+                <a:effectLst/>
+                <a:latin typeface="Consolas" panose="020B0609020204030204" pitchFamily="49" charset="0"/>
+              </a:rPr>
+              <a:t> </a:t>
+            </a:r>
+            <a:r>
+              <a:rPr lang="en-US" altLang="zh-TW" b="0" dirty="0">
+                <a:solidFill>
+                  <a:srgbClr val="001080"/>
+                </a:solidFill>
+                <a:effectLst/>
+                <a:latin typeface="Consolas" panose="020B0609020204030204" pitchFamily="49" charset="0"/>
+              </a:rPr>
+              <a:t>b</a:t>
+            </a:r>
+            <a:r>
+              <a:rPr lang="en-US" altLang="zh-TW" b="0" dirty="0">
+                <a:solidFill>
+                  <a:srgbClr val="000000"/>
+                </a:solidFill>
+                <a:effectLst/>
+                <a:latin typeface="Consolas" panose="020B0609020204030204" pitchFamily="49" charset="0"/>
+              </a:rPr>
+              <a:t> = </a:t>
+            </a:r>
+            <a:r>
+              <a:rPr lang="en-US" altLang="zh-TW" b="0" dirty="0">
+                <a:solidFill>
+                  <a:srgbClr val="098658"/>
+                </a:solidFill>
+                <a:effectLst/>
+                <a:latin typeface="Consolas" panose="020B0609020204030204" pitchFamily="49" charset="0"/>
+              </a:rPr>
+              <a:t>14</a:t>
+            </a:r>
+            <a:r>
+              <a:rPr lang="en-US" altLang="zh-TW" b="0" dirty="0">
+                <a:solidFill>
+                  <a:srgbClr val="000000"/>
+                </a:solidFill>
+                <a:effectLst/>
+                <a:latin typeface="Consolas" panose="020B0609020204030204" pitchFamily="49" charset="0"/>
+              </a:rPr>
+              <a:t>;</a:t>
+            </a:r>
+          </a:p>
+          <a:p>
+            <a:r>
+              <a:rPr lang="en-US" altLang="zh-TW" b="0" dirty="0">
+                <a:solidFill>
+                  <a:srgbClr val="000000"/>
+                </a:solidFill>
+                <a:effectLst/>
+                <a:latin typeface="Consolas" panose="020B0609020204030204" pitchFamily="49" charset="0"/>
+              </a:rPr>
+              <a:t>    </a:t>
+            </a:r>
+            <a:r>
+              <a:rPr lang="en-US" altLang="zh-TW" b="0" dirty="0">
+                <a:solidFill>
+                  <a:srgbClr val="0000FF"/>
+                </a:solidFill>
+                <a:effectLst/>
+                <a:latin typeface="Consolas" panose="020B0609020204030204" pitchFamily="49" charset="0"/>
+              </a:rPr>
+              <a:t>int</a:t>
+            </a:r>
+            <a:r>
+              <a:rPr lang="en-US" altLang="zh-TW" b="0" dirty="0">
+                <a:solidFill>
+                  <a:srgbClr val="000000"/>
+                </a:solidFill>
+                <a:effectLst/>
+                <a:latin typeface="Consolas" panose="020B0609020204030204" pitchFamily="49" charset="0"/>
+              </a:rPr>
+              <a:t> </a:t>
+            </a:r>
+            <a:r>
+              <a:rPr lang="en-US" altLang="zh-TW" b="0" dirty="0">
+                <a:solidFill>
+                  <a:srgbClr val="001080"/>
+                </a:solidFill>
+                <a:effectLst/>
+                <a:latin typeface="Consolas" panose="020B0609020204030204" pitchFamily="49" charset="0"/>
+              </a:rPr>
+              <a:t>s</a:t>
+            </a:r>
+            <a:r>
+              <a:rPr lang="en-US" altLang="zh-TW" b="0" dirty="0">
+                <a:solidFill>
+                  <a:srgbClr val="000000"/>
+                </a:solidFill>
+                <a:effectLst/>
+                <a:latin typeface="Consolas" panose="020B0609020204030204" pitchFamily="49" charset="0"/>
+              </a:rPr>
+              <a:t> = (</a:t>
+            </a:r>
+            <a:r>
+              <a:rPr lang="en-US" altLang="zh-TW" b="0" dirty="0">
+                <a:solidFill>
+                  <a:srgbClr val="001080"/>
+                </a:solidFill>
+                <a:effectLst/>
+                <a:latin typeface="Consolas" panose="020B0609020204030204" pitchFamily="49" charset="0"/>
+              </a:rPr>
+              <a:t>r</a:t>
+            </a:r>
+            <a:r>
+              <a:rPr lang="en-US" altLang="zh-TW" b="0" dirty="0">
+                <a:solidFill>
+                  <a:srgbClr val="000000"/>
+                </a:solidFill>
+                <a:effectLst/>
+                <a:latin typeface="Consolas" panose="020B0609020204030204" pitchFamily="49" charset="0"/>
+              </a:rPr>
+              <a:t> % (</a:t>
+            </a:r>
+            <a:r>
+              <a:rPr lang="en-US" altLang="zh-TW" b="0" dirty="0">
+                <a:solidFill>
+                  <a:srgbClr val="001080"/>
+                </a:solidFill>
+                <a:effectLst/>
+                <a:latin typeface="Consolas" panose="020B0609020204030204" pitchFamily="49" charset="0"/>
+              </a:rPr>
+              <a:t>b</a:t>
+            </a:r>
+            <a:r>
+              <a:rPr lang="en-US" altLang="zh-TW" b="0" dirty="0">
+                <a:solidFill>
+                  <a:srgbClr val="000000"/>
+                </a:solidFill>
+                <a:effectLst/>
+                <a:latin typeface="Consolas" panose="020B0609020204030204" pitchFamily="49" charset="0"/>
+              </a:rPr>
+              <a:t> - </a:t>
+            </a:r>
+            <a:r>
+              <a:rPr lang="en-US" altLang="zh-TW" b="0" dirty="0">
+                <a:solidFill>
+                  <a:srgbClr val="001080"/>
+                </a:solidFill>
+                <a:effectLst/>
+                <a:latin typeface="Consolas" panose="020B0609020204030204" pitchFamily="49" charset="0"/>
+              </a:rPr>
+              <a:t>a</a:t>
+            </a:r>
+            <a:r>
+              <a:rPr lang="en-US" altLang="zh-TW" b="0" dirty="0">
+                <a:solidFill>
+                  <a:srgbClr val="000000"/>
+                </a:solidFill>
+                <a:effectLst/>
+                <a:latin typeface="Consolas" panose="020B0609020204030204" pitchFamily="49" charset="0"/>
+              </a:rPr>
+              <a:t> + </a:t>
+            </a:r>
+            <a:r>
+              <a:rPr lang="en-US" altLang="zh-TW" b="0" dirty="0">
+                <a:solidFill>
+                  <a:srgbClr val="098658"/>
+                </a:solidFill>
+                <a:effectLst/>
+                <a:latin typeface="Consolas" panose="020B0609020204030204" pitchFamily="49" charset="0"/>
+              </a:rPr>
+              <a:t>1</a:t>
+            </a:r>
+            <a:r>
+              <a:rPr lang="en-US" altLang="zh-TW" b="0" dirty="0">
+                <a:solidFill>
+                  <a:srgbClr val="000000"/>
+                </a:solidFill>
+                <a:effectLst/>
+                <a:latin typeface="Consolas" panose="020B0609020204030204" pitchFamily="49" charset="0"/>
+              </a:rPr>
+              <a:t>)) + </a:t>
+            </a:r>
+            <a:r>
+              <a:rPr lang="en-US" altLang="zh-TW" b="0" dirty="0">
+                <a:solidFill>
+                  <a:srgbClr val="001080"/>
+                </a:solidFill>
+                <a:effectLst/>
+                <a:latin typeface="Consolas" panose="020B0609020204030204" pitchFamily="49" charset="0"/>
+              </a:rPr>
+              <a:t>a</a:t>
+            </a:r>
+            <a:r>
+              <a:rPr lang="en-US" altLang="zh-TW" b="0" dirty="0">
+                <a:solidFill>
+                  <a:srgbClr val="000000"/>
+                </a:solidFill>
+                <a:effectLst/>
+                <a:latin typeface="Consolas" panose="020B0609020204030204" pitchFamily="49" charset="0"/>
+              </a:rPr>
+              <a:t>;</a:t>
+            </a:r>
+          </a:p>
+        </p:txBody>
+      </p:sp>
+      <p:graphicFrame>
+        <p:nvGraphicFramePr>
+          <p:cNvPr id="6" name="表格 6">
+            <a:extLst>
+              <a:ext uri="{FF2B5EF4-FFF2-40B4-BE49-F238E27FC236}">
+                <a16:creationId xmlns:a16="http://schemas.microsoft.com/office/drawing/2014/main" id="{98A2711D-FE5D-47A5-BA3C-7FFB022A48F7}"/>
+              </a:ext>
+            </a:extLst>
+          </p:cNvPr>
+          <p:cNvGraphicFramePr>
+            <a:graphicFrameLocks noGrp="1"/>
+          </p:cNvGraphicFramePr>
+          <p:nvPr/>
+        </p:nvGraphicFramePr>
+        <p:xfrm>
+          <a:off x="755008" y="5005588"/>
+          <a:ext cx="5134065" cy="1483360"/>
+        </p:xfrm>
+        <a:graphic>
+          <a:graphicData uri="http://schemas.openxmlformats.org/drawingml/2006/table">
+            <a:tbl>
+              <a:tblPr firstRow="1" bandRow="1">
+                <a:tableStyleId>{21E4AEA4-8DFA-4A89-87EB-49C32662AFE0}</a:tableStyleId>
+              </a:tblPr>
+              <a:tblGrid>
+                <a:gridCol w="1026813">
+                  <a:extLst>
+                    <a:ext uri="{9D8B030D-6E8A-4147-A177-3AD203B41FA5}">
+                      <a16:colId xmlns:a16="http://schemas.microsoft.com/office/drawing/2014/main" val="109659112"/>
+                    </a:ext>
+                  </a:extLst>
+                </a:gridCol>
+                <a:gridCol w="1026813">
+                  <a:extLst>
+                    <a:ext uri="{9D8B030D-6E8A-4147-A177-3AD203B41FA5}">
+                      <a16:colId xmlns:a16="http://schemas.microsoft.com/office/drawing/2014/main" val="3405095176"/>
+                    </a:ext>
+                  </a:extLst>
+                </a:gridCol>
+                <a:gridCol w="1026813">
+                  <a:extLst>
+                    <a:ext uri="{9D8B030D-6E8A-4147-A177-3AD203B41FA5}">
+                      <a16:colId xmlns:a16="http://schemas.microsoft.com/office/drawing/2014/main" val="1822018940"/>
+                    </a:ext>
+                  </a:extLst>
+                </a:gridCol>
+                <a:gridCol w="1026813">
+                  <a:extLst>
+                    <a:ext uri="{9D8B030D-6E8A-4147-A177-3AD203B41FA5}">
+                      <a16:colId xmlns:a16="http://schemas.microsoft.com/office/drawing/2014/main" val="1407225849"/>
+                    </a:ext>
+                  </a:extLst>
+                </a:gridCol>
+                <a:gridCol w="1026813">
+                  <a:extLst>
+                    <a:ext uri="{9D8B030D-6E8A-4147-A177-3AD203B41FA5}">
+                      <a16:colId xmlns:a16="http://schemas.microsoft.com/office/drawing/2014/main" val="2385728985"/>
+                    </a:ext>
+                  </a:extLst>
+                </a:gridCol>
+              </a:tblGrid>
+              <a:tr h="370840">
+                <a:tc>
+                  <a:txBody>
+                    <a:bodyPr/>
+                    <a:lstStyle/>
+                    <a:p>
+                      <a:pPr algn="ctr"/>
+                      <a:r>
+                        <a:rPr lang="en-US" altLang="zh-TW" dirty="0"/>
+                        <a:t>10</a:t>
+                      </a:r>
+                      <a:endParaRPr lang="zh-TW" altLang="en-US" dirty="0"/>
+                    </a:p>
+                  </a:txBody>
+                  <a:tcPr/>
+                </a:tc>
+                <a:tc>
+                  <a:txBody>
+                    <a:bodyPr/>
+                    <a:lstStyle/>
+                    <a:p>
+                      <a:pPr algn="ctr"/>
+                      <a:r>
+                        <a:rPr lang="en-US" altLang="zh-TW" dirty="0"/>
+                        <a:t>11</a:t>
+                      </a:r>
+                      <a:endParaRPr lang="zh-TW" altLang="en-US" dirty="0"/>
+                    </a:p>
+                  </a:txBody>
+                  <a:tcPr/>
+                </a:tc>
+                <a:tc>
+                  <a:txBody>
+                    <a:bodyPr/>
+                    <a:lstStyle/>
+                    <a:p>
+                      <a:pPr algn="ctr"/>
+                      <a:r>
+                        <a:rPr lang="en-US" altLang="zh-TW" dirty="0"/>
+                        <a:t>12</a:t>
+                      </a:r>
+                      <a:endParaRPr lang="zh-TW" altLang="en-US" dirty="0"/>
+                    </a:p>
+                  </a:txBody>
+                  <a:tcPr/>
+                </a:tc>
+                <a:tc>
+                  <a:txBody>
+                    <a:bodyPr/>
+                    <a:lstStyle/>
+                    <a:p>
+                      <a:pPr algn="ctr"/>
+                      <a:r>
+                        <a:rPr lang="en-US" altLang="zh-TW" dirty="0"/>
+                        <a:t>13</a:t>
+                      </a:r>
+                      <a:endParaRPr lang="zh-TW" altLang="en-US" dirty="0"/>
+                    </a:p>
+                  </a:txBody>
+                  <a:tcPr/>
+                </a:tc>
+                <a:tc>
+                  <a:txBody>
+                    <a:bodyPr/>
+                    <a:lstStyle/>
+                    <a:p>
+                      <a:pPr algn="ctr"/>
+                      <a:r>
+                        <a:rPr lang="en-US" altLang="zh-TW" dirty="0"/>
+                        <a:t>14</a:t>
+                      </a:r>
+                      <a:endParaRPr lang="zh-TW" altLang="en-US" dirty="0"/>
+                    </a:p>
+                  </a:txBody>
+                  <a:tcPr/>
+                </a:tc>
+                <a:extLst>
+                  <a:ext uri="{0D108BD9-81ED-4DB2-BD59-A6C34878D82A}">
+                    <a16:rowId xmlns:a16="http://schemas.microsoft.com/office/drawing/2014/main" val="1744437268"/>
+                  </a:ext>
+                </a:extLst>
+              </a:tr>
+              <a:tr h="370840">
+                <a:tc>
+                  <a:txBody>
+                    <a:bodyPr/>
+                    <a:lstStyle/>
+                    <a:p>
+                      <a:pPr algn="ctr"/>
+                      <a:r>
+                        <a:rPr lang="en-US" altLang="zh-TW" dirty="0"/>
+                        <a:t>0</a:t>
+                      </a:r>
+                      <a:endParaRPr lang="zh-TW" altLang="en-US" dirty="0"/>
+                    </a:p>
+                  </a:txBody>
+                  <a:tcPr/>
+                </a:tc>
+                <a:tc>
+                  <a:txBody>
+                    <a:bodyPr/>
+                    <a:lstStyle/>
+                    <a:p>
+                      <a:pPr algn="ctr"/>
+                      <a:r>
+                        <a:rPr lang="en-US" altLang="zh-TW" dirty="0"/>
+                        <a:t>1</a:t>
+                      </a:r>
+                      <a:endParaRPr lang="zh-TW" altLang="en-US" dirty="0"/>
+                    </a:p>
+                  </a:txBody>
+                  <a:tcPr/>
+                </a:tc>
+                <a:tc>
+                  <a:txBody>
+                    <a:bodyPr/>
+                    <a:lstStyle/>
+                    <a:p>
+                      <a:pPr algn="ctr"/>
+                      <a:r>
+                        <a:rPr lang="en-US" altLang="zh-TW" dirty="0"/>
+                        <a:t>2</a:t>
+                      </a:r>
+                      <a:endParaRPr lang="zh-TW" altLang="en-US" dirty="0"/>
+                    </a:p>
+                  </a:txBody>
+                  <a:tcPr/>
+                </a:tc>
+                <a:tc>
+                  <a:txBody>
+                    <a:bodyPr/>
+                    <a:lstStyle/>
+                    <a:p>
+                      <a:pPr algn="ctr"/>
+                      <a:r>
+                        <a:rPr lang="en-US" altLang="zh-TW" dirty="0"/>
+                        <a:t>4</a:t>
+                      </a:r>
+                      <a:endParaRPr lang="zh-TW" altLang="en-US" dirty="0"/>
+                    </a:p>
+                  </a:txBody>
+                  <a:tcPr/>
+                </a:tc>
+                <a:tc>
+                  <a:txBody>
+                    <a:bodyPr/>
+                    <a:lstStyle/>
+                    <a:p>
+                      <a:pPr algn="ctr"/>
+                      <a:r>
+                        <a:rPr lang="en-US" altLang="zh-TW" dirty="0"/>
+                        <a:t>5</a:t>
+                      </a:r>
+                      <a:endParaRPr lang="zh-TW" altLang="en-US" dirty="0"/>
+                    </a:p>
+                  </a:txBody>
+                  <a:tcPr/>
+                </a:tc>
+                <a:extLst>
+                  <a:ext uri="{0D108BD9-81ED-4DB2-BD59-A6C34878D82A}">
+                    <a16:rowId xmlns:a16="http://schemas.microsoft.com/office/drawing/2014/main" val="1838442169"/>
+                  </a:ext>
+                </a:extLst>
+              </a:tr>
+              <a:tr h="370840">
+                <a:tc>
+                  <a:txBody>
+                    <a:bodyPr/>
+                    <a:lstStyle/>
+                    <a:p>
+                      <a:pPr algn="ctr"/>
+                      <a:r>
+                        <a:rPr lang="en-US" altLang="zh-TW" dirty="0"/>
+                        <a:t>6</a:t>
+                      </a:r>
+                      <a:endParaRPr lang="zh-TW" altLang="en-US" dirty="0"/>
+                    </a:p>
+                  </a:txBody>
+                  <a:tcPr/>
+                </a:tc>
+                <a:tc>
+                  <a:txBody>
+                    <a:bodyPr/>
+                    <a:lstStyle/>
+                    <a:p>
+                      <a:pPr algn="ctr"/>
+                      <a:r>
+                        <a:rPr lang="en-US" altLang="zh-TW" dirty="0"/>
+                        <a:t>7</a:t>
+                      </a:r>
+                      <a:endParaRPr lang="zh-TW" altLang="en-US" dirty="0"/>
+                    </a:p>
+                  </a:txBody>
+                  <a:tcPr/>
+                </a:tc>
+                <a:tc>
+                  <a:txBody>
+                    <a:bodyPr/>
+                    <a:lstStyle/>
+                    <a:p>
+                      <a:pPr algn="ctr"/>
+                      <a:r>
+                        <a:rPr lang="en-US" altLang="zh-TW" dirty="0"/>
+                        <a:t>8</a:t>
+                      </a:r>
+                      <a:endParaRPr lang="zh-TW" altLang="en-US" dirty="0"/>
+                    </a:p>
+                  </a:txBody>
+                  <a:tcPr/>
+                </a:tc>
+                <a:tc>
+                  <a:txBody>
+                    <a:bodyPr/>
+                    <a:lstStyle/>
+                    <a:p>
+                      <a:pPr algn="ctr"/>
+                      <a:r>
+                        <a:rPr lang="en-US" altLang="zh-TW" dirty="0"/>
+                        <a:t>9</a:t>
+                      </a:r>
+                      <a:endParaRPr lang="zh-TW" altLang="en-US" dirty="0"/>
+                    </a:p>
+                  </a:txBody>
+                  <a:tcPr/>
+                </a:tc>
+                <a:tc>
+                  <a:txBody>
+                    <a:bodyPr/>
+                    <a:lstStyle/>
+                    <a:p>
+                      <a:pPr algn="ctr"/>
+                      <a:r>
+                        <a:rPr lang="en-US" altLang="zh-TW" dirty="0"/>
+                        <a:t>10</a:t>
+                      </a:r>
+                      <a:endParaRPr lang="zh-TW" altLang="en-US" dirty="0"/>
+                    </a:p>
+                  </a:txBody>
+                  <a:tcPr/>
+                </a:tc>
+                <a:extLst>
+                  <a:ext uri="{0D108BD9-81ED-4DB2-BD59-A6C34878D82A}">
+                    <a16:rowId xmlns:a16="http://schemas.microsoft.com/office/drawing/2014/main" val="2666442926"/>
+                  </a:ext>
+                </a:extLst>
+              </a:tr>
+              <a:tr h="370840">
+                <a:tc>
+                  <a:txBody>
+                    <a:bodyPr/>
+                    <a:lstStyle/>
+                    <a:p>
+                      <a:pPr algn="ctr"/>
+                      <a:r>
+                        <a:rPr lang="en-US" altLang="zh-TW" dirty="0"/>
+                        <a:t>11</a:t>
+                      </a:r>
+                      <a:endParaRPr lang="zh-TW" altLang="en-US" dirty="0"/>
+                    </a:p>
+                  </a:txBody>
+                  <a:tcPr/>
+                </a:tc>
+                <a:tc>
+                  <a:txBody>
+                    <a:bodyPr/>
+                    <a:lstStyle/>
+                    <a:p>
+                      <a:pPr algn="ctr"/>
+                      <a:r>
+                        <a:rPr lang="en-US" altLang="zh-TW" dirty="0"/>
+                        <a:t>12</a:t>
+                      </a:r>
+                      <a:endParaRPr lang="zh-TW" altLang="en-US" dirty="0"/>
+                    </a:p>
+                  </a:txBody>
+                  <a:tcPr/>
+                </a:tc>
+                <a:tc>
+                  <a:txBody>
+                    <a:bodyPr/>
+                    <a:lstStyle/>
+                    <a:p>
+                      <a:pPr algn="ctr"/>
+                      <a:endParaRPr lang="zh-TW" altLang="en-US" dirty="0"/>
+                    </a:p>
+                  </a:txBody>
+                  <a:tcPr/>
+                </a:tc>
+                <a:tc>
+                  <a:txBody>
+                    <a:bodyPr/>
+                    <a:lstStyle/>
+                    <a:p>
+                      <a:pPr algn="ctr"/>
+                      <a:endParaRPr lang="zh-TW" altLang="en-US" dirty="0"/>
+                    </a:p>
+                  </a:txBody>
+                  <a:tcPr/>
+                </a:tc>
+                <a:tc>
+                  <a:txBody>
+                    <a:bodyPr/>
+                    <a:lstStyle/>
+                    <a:p>
+                      <a:pPr algn="ctr"/>
+                      <a:endParaRPr lang="zh-TW" altLang="en-US" dirty="0"/>
+                    </a:p>
+                  </a:txBody>
+                  <a:tcPr/>
+                </a:tc>
+                <a:extLst>
+                  <a:ext uri="{0D108BD9-81ED-4DB2-BD59-A6C34878D82A}">
+                    <a16:rowId xmlns:a16="http://schemas.microsoft.com/office/drawing/2014/main" val="1482200530"/>
+                  </a:ext>
+                </a:extLst>
+              </a:tr>
+            </a:tbl>
+          </a:graphicData>
+        </a:graphic>
+      </p:graphicFrame>
+      <p:sp>
+        <p:nvSpPr>
+          <p:cNvPr id="7" name="文字方塊 6">
+            <a:extLst>
+              <a:ext uri="{FF2B5EF4-FFF2-40B4-BE49-F238E27FC236}">
+                <a16:creationId xmlns:a16="http://schemas.microsoft.com/office/drawing/2014/main" id="{215E33B9-76B5-419D-B420-B346E9EB60D6}"/>
+              </a:ext>
+            </a:extLst>
+          </p:cNvPr>
+          <p:cNvSpPr txBox="1"/>
+          <p:nvPr/>
+        </p:nvSpPr>
+        <p:spPr>
+          <a:xfrm>
+            <a:off x="731234" y="4089124"/>
+            <a:ext cx="2743201" cy="461665"/>
+          </a:xfrm>
+          <a:prstGeom prst="rect">
+            <a:avLst/>
+          </a:prstGeom>
+          <a:noFill/>
+        </p:spPr>
+        <p:txBody>
+          <a:bodyPr wrap="square" rtlCol="0">
+            <a:spAutoFit/>
+          </a:bodyPr>
+          <a:lstStyle/>
+          <a:p>
+            <a:r>
+              <a:rPr lang="en-US" altLang="zh-TW" sz="2400" dirty="0"/>
+              <a:t>Let RAND_MAX = 12</a:t>
+            </a:r>
+            <a:endParaRPr lang="zh-TW" altLang="en-US" sz="2400" dirty="0"/>
+          </a:p>
+        </p:txBody>
+      </p:sp>
+      <p:sp>
+        <p:nvSpPr>
+          <p:cNvPr id="10" name="文字方塊 9">
+            <a:extLst>
+              <a:ext uri="{FF2B5EF4-FFF2-40B4-BE49-F238E27FC236}">
+                <a16:creationId xmlns:a16="http://schemas.microsoft.com/office/drawing/2014/main" id="{4064DB7E-AF58-4707-823E-7583C4172EB2}"/>
+              </a:ext>
+            </a:extLst>
+          </p:cNvPr>
+          <p:cNvSpPr txBox="1"/>
+          <p:nvPr/>
+        </p:nvSpPr>
+        <p:spPr>
+          <a:xfrm>
+            <a:off x="6519644" y="4089124"/>
+            <a:ext cx="3354199" cy="830997"/>
+          </a:xfrm>
+          <a:prstGeom prst="rect">
+            <a:avLst/>
+          </a:prstGeom>
+          <a:noFill/>
+        </p:spPr>
+        <p:txBody>
+          <a:bodyPr wrap="square" rtlCol="0">
+            <a:spAutoFit/>
+          </a:bodyPr>
+          <a:lstStyle/>
+          <a:p>
+            <a:r>
+              <a:rPr lang="en-US" altLang="zh-TW" sz="2400" dirty="0"/>
+              <a:t>Let RAND_MAX = 12</a:t>
+            </a:r>
+          </a:p>
+          <a:p>
+            <a:r>
+              <a:rPr lang="en-US" altLang="zh-TW" sz="2400" dirty="0"/>
+              <a:t>Bucket = int(12 / 5) = 2</a:t>
+            </a:r>
+            <a:endParaRPr lang="zh-TW" altLang="en-US" sz="2400" dirty="0"/>
+          </a:p>
+        </p:txBody>
+      </p:sp>
+      <p:graphicFrame>
+        <p:nvGraphicFramePr>
+          <p:cNvPr id="11" name="表格 6">
+            <a:extLst>
+              <a:ext uri="{FF2B5EF4-FFF2-40B4-BE49-F238E27FC236}">
+                <a16:creationId xmlns:a16="http://schemas.microsoft.com/office/drawing/2014/main" id="{A531EA08-BEB2-4666-A91D-5F0583303E5F}"/>
+              </a:ext>
+            </a:extLst>
+          </p:cNvPr>
+          <p:cNvGraphicFramePr>
+            <a:graphicFrameLocks noGrp="1"/>
+          </p:cNvGraphicFramePr>
+          <p:nvPr/>
+        </p:nvGraphicFramePr>
+        <p:xfrm>
+          <a:off x="6611922" y="5005588"/>
+          <a:ext cx="5134065" cy="1752600"/>
+        </p:xfrm>
+        <a:graphic>
+          <a:graphicData uri="http://schemas.openxmlformats.org/drawingml/2006/table">
+            <a:tbl>
+              <a:tblPr firstRow="1" bandRow="1">
+                <a:tableStyleId>{21E4AEA4-8DFA-4A89-87EB-49C32662AFE0}</a:tableStyleId>
+              </a:tblPr>
+              <a:tblGrid>
+                <a:gridCol w="1026813">
+                  <a:extLst>
+                    <a:ext uri="{9D8B030D-6E8A-4147-A177-3AD203B41FA5}">
+                      <a16:colId xmlns:a16="http://schemas.microsoft.com/office/drawing/2014/main" val="109659112"/>
+                    </a:ext>
+                  </a:extLst>
+                </a:gridCol>
+                <a:gridCol w="1026813">
+                  <a:extLst>
+                    <a:ext uri="{9D8B030D-6E8A-4147-A177-3AD203B41FA5}">
+                      <a16:colId xmlns:a16="http://schemas.microsoft.com/office/drawing/2014/main" val="3405095176"/>
+                    </a:ext>
+                  </a:extLst>
+                </a:gridCol>
+                <a:gridCol w="1026813">
+                  <a:extLst>
+                    <a:ext uri="{9D8B030D-6E8A-4147-A177-3AD203B41FA5}">
+                      <a16:colId xmlns:a16="http://schemas.microsoft.com/office/drawing/2014/main" val="1822018940"/>
+                    </a:ext>
+                  </a:extLst>
+                </a:gridCol>
+                <a:gridCol w="1026813">
+                  <a:extLst>
+                    <a:ext uri="{9D8B030D-6E8A-4147-A177-3AD203B41FA5}">
+                      <a16:colId xmlns:a16="http://schemas.microsoft.com/office/drawing/2014/main" val="1407225849"/>
+                    </a:ext>
+                  </a:extLst>
+                </a:gridCol>
+                <a:gridCol w="1026813">
+                  <a:extLst>
+                    <a:ext uri="{9D8B030D-6E8A-4147-A177-3AD203B41FA5}">
+                      <a16:colId xmlns:a16="http://schemas.microsoft.com/office/drawing/2014/main" val="2385728985"/>
+                    </a:ext>
+                  </a:extLst>
+                </a:gridCol>
+              </a:tblGrid>
+              <a:tr h="370840">
+                <a:tc>
+                  <a:txBody>
+                    <a:bodyPr/>
+                    <a:lstStyle/>
+                    <a:p>
+                      <a:pPr algn="ctr"/>
+                      <a:r>
+                        <a:rPr lang="en-US" altLang="zh-TW" dirty="0"/>
+                        <a:t>10</a:t>
+                      </a:r>
+                      <a:endParaRPr lang="zh-TW" altLang="en-US" dirty="0"/>
+                    </a:p>
+                  </a:txBody>
+                  <a:tcPr/>
+                </a:tc>
+                <a:tc>
+                  <a:txBody>
+                    <a:bodyPr/>
+                    <a:lstStyle/>
+                    <a:p>
+                      <a:pPr algn="ctr"/>
+                      <a:r>
+                        <a:rPr lang="en-US" altLang="zh-TW" dirty="0"/>
+                        <a:t>11</a:t>
+                      </a:r>
+                      <a:endParaRPr lang="zh-TW" altLang="en-US" dirty="0"/>
+                    </a:p>
+                  </a:txBody>
+                  <a:tcPr/>
+                </a:tc>
+                <a:tc>
+                  <a:txBody>
+                    <a:bodyPr/>
+                    <a:lstStyle/>
+                    <a:p>
+                      <a:pPr algn="ctr"/>
+                      <a:r>
+                        <a:rPr lang="en-US" altLang="zh-TW" dirty="0"/>
+                        <a:t>12</a:t>
+                      </a:r>
+                      <a:endParaRPr lang="zh-TW" altLang="en-US" dirty="0"/>
+                    </a:p>
+                  </a:txBody>
+                  <a:tcPr/>
+                </a:tc>
+                <a:tc>
+                  <a:txBody>
+                    <a:bodyPr/>
+                    <a:lstStyle/>
+                    <a:p>
+                      <a:pPr algn="ctr"/>
+                      <a:r>
+                        <a:rPr lang="en-US" altLang="zh-TW" dirty="0"/>
+                        <a:t>13</a:t>
+                      </a:r>
+                      <a:endParaRPr lang="zh-TW" altLang="en-US" dirty="0"/>
+                    </a:p>
+                  </a:txBody>
+                  <a:tcPr/>
+                </a:tc>
+                <a:tc>
+                  <a:txBody>
+                    <a:bodyPr/>
+                    <a:lstStyle/>
+                    <a:p>
+                      <a:pPr algn="ctr"/>
+                      <a:r>
+                        <a:rPr lang="en-US" altLang="zh-TW" dirty="0"/>
+                        <a:t>14</a:t>
+                      </a:r>
+                      <a:endParaRPr lang="zh-TW" altLang="en-US" dirty="0"/>
+                    </a:p>
+                  </a:txBody>
+                  <a:tcPr/>
+                </a:tc>
+                <a:extLst>
+                  <a:ext uri="{0D108BD9-81ED-4DB2-BD59-A6C34878D82A}">
+                    <a16:rowId xmlns:a16="http://schemas.microsoft.com/office/drawing/2014/main" val="1744437268"/>
+                  </a:ext>
+                </a:extLst>
+              </a:tr>
+              <a:tr h="370840">
+                <a:tc>
+                  <a:txBody>
+                    <a:bodyPr/>
+                    <a:lstStyle/>
+                    <a:p>
+                      <a:pPr algn="ctr"/>
+                      <a:r>
+                        <a:rPr lang="en-US" altLang="zh-TW" dirty="0"/>
+                        <a:t>0</a:t>
+                      </a:r>
+                      <a:endParaRPr lang="zh-TW" altLang="en-US" dirty="0"/>
+                    </a:p>
+                  </a:txBody>
+                  <a:tcPr/>
+                </a:tc>
+                <a:tc>
+                  <a:txBody>
+                    <a:bodyPr/>
+                    <a:lstStyle/>
+                    <a:p>
+                      <a:pPr algn="ctr"/>
+                      <a:r>
+                        <a:rPr lang="en-US" altLang="zh-TW" dirty="0"/>
+                        <a:t>1</a:t>
+                      </a:r>
+                      <a:endParaRPr lang="zh-TW" altLang="en-US" dirty="0"/>
+                    </a:p>
+                  </a:txBody>
+                  <a:tcPr/>
+                </a:tc>
+                <a:tc>
+                  <a:txBody>
+                    <a:bodyPr/>
+                    <a:lstStyle/>
+                    <a:p>
+                      <a:pPr algn="ctr"/>
+                      <a:r>
+                        <a:rPr lang="en-US" altLang="zh-TW" dirty="0"/>
+                        <a:t>2</a:t>
+                      </a:r>
+                      <a:endParaRPr lang="zh-TW" altLang="en-US" dirty="0"/>
+                    </a:p>
+                  </a:txBody>
+                  <a:tcPr/>
+                </a:tc>
+                <a:tc>
+                  <a:txBody>
+                    <a:bodyPr/>
+                    <a:lstStyle/>
+                    <a:p>
+                      <a:pPr algn="ctr"/>
+                      <a:r>
+                        <a:rPr lang="en-US" altLang="zh-TW" dirty="0"/>
+                        <a:t>4</a:t>
+                      </a:r>
+                      <a:endParaRPr lang="zh-TW" altLang="en-US" dirty="0"/>
+                    </a:p>
+                  </a:txBody>
+                  <a:tcPr/>
+                </a:tc>
+                <a:tc>
+                  <a:txBody>
+                    <a:bodyPr/>
+                    <a:lstStyle/>
+                    <a:p>
+                      <a:pPr algn="ctr"/>
+                      <a:r>
+                        <a:rPr lang="en-US" altLang="zh-TW" dirty="0"/>
+                        <a:t>5</a:t>
+                      </a:r>
+                      <a:endParaRPr lang="zh-TW" altLang="en-US" dirty="0"/>
+                    </a:p>
+                  </a:txBody>
+                  <a:tcPr/>
+                </a:tc>
+                <a:extLst>
+                  <a:ext uri="{0D108BD9-81ED-4DB2-BD59-A6C34878D82A}">
+                    <a16:rowId xmlns:a16="http://schemas.microsoft.com/office/drawing/2014/main" val="1838442169"/>
+                  </a:ext>
+                </a:extLst>
+              </a:tr>
+              <a:tr h="370840">
+                <a:tc>
+                  <a:txBody>
+                    <a:bodyPr/>
+                    <a:lstStyle/>
+                    <a:p>
+                      <a:pPr algn="ctr"/>
+                      <a:r>
+                        <a:rPr lang="en-US" altLang="zh-TW" dirty="0"/>
+                        <a:t>6</a:t>
+                      </a:r>
+                      <a:endParaRPr lang="zh-TW" altLang="en-US" dirty="0"/>
+                    </a:p>
+                  </a:txBody>
+                  <a:tcPr/>
+                </a:tc>
+                <a:tc>
+                  <a:txBody>
+                    <a:bodyPr/>
+                    <a:lstStyle/>
+                    <a:p>
+                      <a:pPr algn="ctr"/>
+                      <a:r>
+                        <a:rPr lang="en-US" altLang="zh-TW" dirty="0"/>
+                        <a:t>7</a:t>
+                      </a:r>
+                      <a:endParaRPr lang="zh-TW" altLang="en-US" dirty="0"/>
+                    </a:p>
+                  </a:txBody>
+                  <a:tcPr/>
+                </a:tc>
+                <a:tc>
+                  <a:txBody>
+                    <a:bodyPr/>
+                    <a:lstStyle/>
+                    <a:p>
+                      <a:pPr algn="ctr"/>
+                      <a:r>
+                        <a:rPr lang="en-US" altLang="zh-TW" dirty="0"/>
+                        <a:t>8</a:t>
+                      </a:r>
+                      <a:endParaRPr lang="zh-TW" altLang="en-US" dirty="0"/>
+                    </a:p>
+                  </a:txBody>
+                  <a:tcPr/>
+                </a:tc>
+                <a:tc>
+                  <a:txBody>
+                    <a:bodyPr/>
+                    <a:lstStyle/>
+                    <a:p>
+                      <a:pPr algn="ctr"/>
+                      <a:r>
+                        <a:rPr lang="en-US" altLang="zh-TW" dirty="0"/>
+                        <a:t>9</a:t>
+                      </a:r>
+                      <a:endParaRPr lang="zh-TW" altLang="en-US" dirty="0"/>
+                    </a:p>
+                  </a:txBody>
+                  <a:tcPr/>
+                </a:tc>
+                <a:tc>
+                  <a:txBody>
+                    <a:bodyPr/>
+                    <a:lstStyle/>
+                    <a:p>
+                      <a:pPr algn="ctr"/>
+                      <a:r>
+                        <a:rPr lang="en-US" altLang="zh-TW" dirty="0"/>
+                        <a:t>10</a:t>
+                      </a:r>
+                      <a:endParaRPr lang="zh-TW" altLang="en-US" dirty="0"/>
+                    </a:p>
+                  </a:txBody>
+                  <a:tcPr/>
+                </a:tc>
+                <a:extLst>
+                  <a:ext uri="{0D108BD9-81ED-4DB2-BD59-A6C34878D82A}">
+                    <a16:rowId xmlns:a16="http://schemas.microsoft.com/office/drawing/2014/main" val="2666442926"/>
+                  </a:ext>
+                </a:extLst>
+              </a:tr>
+              <a:tr h="370840">
+                <a:tc>
+                  <a:txBody>
+                    <a:bodyPr/>
+                    <a:lstStyle/>
+                    <a:p>
+                      <a:pPr algn="ctr"/>
+                      <a:r>
+                        <a:rPr lang="en-US" altLang="zh-TW" strike="sngStrike" dirty="0">
+                          <a:solidFill>
+                            <a:srgbClr val="FF0000"/>
+                          </a:solidFill>
+                        </a:rPr>
+                        <a:t>11</a:t>
+                      </a:r>
+                      <a:br>
+                        <a:rPr lang="en-US" altLang="zh-TW" dirty="0"/>
+                      </a:br>
+                      <a:r>
+                        <a:rPr lang="en-US" altLang="zh-TW" dirty="0"/>
+                        <a:t>(reject)</a:t>
+                      </a:r>
+                      <a:endParaRPr lang="zh-TW" altLang="en-US" dirty="0"/>
+                    </a:p>
+                  </a:txBody>
+                  <a:tcPr/>
+                </a:tc>
+                <a:tc>
+                  <a:txBody>
+                    <a:bodyPr/>
+                    <a:lstStyle/>
+                    <a:p>
+                      <a:pPr algn="ctr"/>
+                      <a:r>
+                        <a:rPr lang="en-US" altLang="zh-TW" strike="sngStrike" dirty="0">
+                          <a:solidFill>
+                            <a:srgbClr val="FF0000"/>
+                          </a:solidFill>
+                        </a:rPr>
+                        <a:t>12</a:t>
+                      </a:r>
+                    </a:p>
+                    <a:p>
+                      <a:pPr algn="ctr"/>
+                      <a:r>
+                        <a:rPr lang="en-US" altLang="zh-TW" dirty="0"/>
+                        <a:t>(reject)</a:t>
+                      </a:r>
+                      <a:endParaRPr lang="zh-TW" altLang="en-US" dirty="0"/>
+                    </a:p>
+                  </a:txBody>
+                  <a:tcPr/>
+                </a:tc>
+                <a:tc>
+                  <a:txBody>
+                    <a:bodyPr/>
+                    <a:lstStyle/>
+                    <a:p>
+                      <a:pPr algn="ctr"/>
+                      <a:endParaRPr lang="zh-TW" altLang="en-US" dirty="0"/>
+                    </a:p>
+                  </a:txBody>
+                  <a:tcPr/>
+                </a:tc>
+                <a:tc>
+                  <a:txBody>
+                    <a:bodyPr/>
+                    <a:lstStyle/>
+                    <a:p>
+                      <a:pPr algn="ctr"/>
+                      <a:endParaRPr lang="zh-TW" altLang="en-US" dirty="0"/>
+                    </a:p>
+                  </a:txBody>
+                  <a:tcPr/>
+                </a:tc>
+                <a:tc>
+                  <a:txBody>
+                    <a:bodyPr/>
+                    <a:lstStyle/>
+                    <a:p>
+                      <a:pPr algn="ctr"/>
+                      <a:endParaRPr lang="zh-TW" altLang="en-US" dirty="0"/>
+                    </a:p>
+                  </a:txBody>
+                  <a:tcPr/>
+                </a:tc>
+                <a:extLst>
+                  <a:ext uri="{0D108BD9-81ED-4DB2-BD59-A6C34878D82A}">
+                    <a16:rowId xmlns:a16="http://schemas.microsoft.com/office/drawing/2014/main" val="1482200530"/>
+                  </a:ext>
+                </a:extLst>
+              </a:tr>
+            </a:tbl>
+          </a:graphicData>
+        </a:graphic>
+      </p:graphicFrame>
+    </p:spTree>
+    <p:extLst>
+      <p:ext uri="{BB962C8B-B14F-4D97-AF65-F5344CB8AC3E}">
+        <p14:creationId xmlns:p14="http://schemas.microsoft.com/office/powerpoint/2010/main" val="1115240102"/>
+      </p:ext>
+    </p:extLst>
+  </p:cSld>
+  <p:clrMapOvr>
+    <a:masterClrMapping/>
+  </p:clrMapOvr>
+</p:sld>
+</file>
+
+<file path=ppt/slides/slide15.xml><?xml version="1.0" encoding="utf-8"?>
+<p:sld xmlns:a="http://schemas.openxmlformats.org/drawingml/2006/main" xmlns:r="http://schemas.openxmlformats.org/officeDocument/2006/relationships" xmlns:p="http://schemas.openxmlformats.org/presentationml/2006/main">
+  <p:cSld>
+    <p:spTree>
+      <p:nvGrpSpPr>
+        <p:cNvPr id="1" name=""/>
+        <p:cNvGrpSpPr/>
+        <p:nvPr/>
+      </p:nvGrpSpPr>
+      <p:grpSpPr>
+        <a:xfrm>
+          <a:off x="0" y="0"/>
+          <a:ext cx="0" cy="0"/>
+          <a:chOff x="0" y="0"/>
+          <a:chExt cx="0" cy="0"/>
+        </a:xfrm>
+      </p:grpSpPr>
+      <p:sp>
+        <p:nvSpPr>
+          <p:cNvPr id="2" name="標題 1">
+            <a:extLst>
+              <a:ext uri="{FF2B5EF4-FFF2-40B4-BE49-F238E27FC236}">
+                <a16:creationId xmlns:a16="http://schemas.microsoft.com/office/drawing/2014/main" id="{799CF28C-A0D9-4BCC-A55A-91336C5DB0C2}"/>
+              </a:ext>
+            </a:extLst>
+          </p:cNvPr>
+          <p:cNvSpPr>
+            <a:spLocks noGrp="1"/>
+          </p:cNvSpPr>
+          <p:nvPr>
+            <p:ph type="title"/>
+          </p:nvPr>
+        </p:nvSpPr>
+        <p:spPr/>
+        <p:txBody>
+          <a:bodyPr/>
+          <a:lstStyle/>
+          <a:p>
+            <a:r>
+              <a:rPr lang="en-US" altLang="zh-TW" dirty="0"/>
+              <a:t>Random Generator</a:t>
+            </a:r>
+            <a:r>
+              <a:rPr lang="zh-TW" altLang="en-US" dirty="0"/>
+              <a:t> </a:t>
+            </a:r>
+            <a:r>
+              <a:rPr lang="en-US" altLang="zh-TW" dirty="0"/>
+              <a:t>in C++</a:t>
+            </a:r>
+            <a:endParaRPr lang="zh-TW" altLang="en-US" dirty="0"/>
+          </a:p>
+        </p:txBody>
+      </p:sp>
+      <p:sp>
+        <p:nvSpPr>
+          <p:cNvPr id="3" name="內容版面配置區 2">
+            <a:extLst>
+              <a:ext uri="{FF2B5EF4-FFF2-40B4-BE49-F238E27FC236}">
+                <a16:creationId xmlns:a16="http://schemas.microsoft.com/office/drawing/2014/main" id="{1100EB79-75E0-421D-8D63-6042132EF326}"/>
+              </a:ext>
+            </a:extLst>
+          </p:cNvPr>
+          <p:cNvSpPr>
+            <a:spLocks noGrp="1"/>
+          </p:cNvSpPr>
+          <p:nvPr>
+            <p:ph idx="1"/>
+          </p:nvPr>
+        </p:nvSpPr>
+        <p:spPr>
+          <a:xfrm>
+            <a:off x="685801" y="2142067"/>
+            <a:ext cx="10131425" cy="2144707"/>
+          </a:xfrm>
+        </p:spPr>
+        <p:txBody>
+          <a:bodyPr/>
+          <a:lstStyle/>
+          <a:p>
+            <a:r>
+              <a:rPr lang="en-US" altLang="zh-TW" dirty="0"/>
+              <a:t>Uniform distributions </a:t>
+            </a:r>
+          </a:p>
+          <a:p>
+            <a:r>
+              <a:rPr lang="en-US" altLang="zh-TW" dirty="0"/>
+              <a:t>Bernoulli distributions </a:t>
+            </a:r>
+          </a:p>
+          <a:p>
+            <a:r>
+              <a:rPr lang="en-US" altLang="zh-TW" dirty="0"/>
+              <a:t>Poisson distributions </a:t>
+            </a:r>
+          </a:p>
+          <a:p>
+            <a:r>
+              <a:rPr lang="en-US" altLang="zh-TW" dirty="0"/>
+              <a:t>Normal distributions </a:t>
+            </a:r>
+          </a:p>
+          <a:p>
+            <a:r>
+              <a:rPr lang="en-US" altLang="zh-TW" dirty="0"/>
+              <a:t>Sampling distributions </a:t>
+            </a:r>
+          </a:p>
+        </p:txBody>
+      </p:sp>
+      <p:sp>
+        <p:nvSpPr>
+          <p:cNvPr id="5" name="文字方塊 4">
+            <a:extLst>
+              <a:ext uri="{FF2B5EF4-FFF2-40B4-BE49-F238E27FC236}">
+                <a16:creationId xmlns:a16="http://schemas.microsoft.com/office/drawing/2014/main" id="{8ECD3F05-16C3-41A6-8079-E4EDA48B6D3F}"/>
+              </a:ext>
+            </a:extLst>
+          </p:cNvPr>
+          <p:cNvSpPr txBox="1"/>
+          <p:nvPr/>
+        </p:nvSpPr>
+        <p:spPr>
+          <a:xfrm>
+            <a:off x="0" y="6466514"/>
+            <a:ext cx="5282967" cy="369332"/>
+          </a:xfrm>
+          <a:prstGeom prst="rect">
+            <a:avLst/>
+          </a:prstGeom>
+          <a:noFill/>
+        </p:spPr>
+        <p:txBody>
+          <a:bodyPr wrap="square">
+            <a:spAutoFit/>
+          </a:bodyPr>
+          <a:lstStyle/>
+          <a:p>
+            <a:r>
+              <a:rPr lang="zh-TW" altLang="en-US" dirty="0"/>
+              <a:t>https://en.cppreference.com/w/cpp/header/random</a:t>
+            </a:r>
+          </a:p>
+        </p:txBody>
+      </p:sp>
+    </p:spTree>
+    <p:extLst>
+      <p:ext uri="{BB962C8B-B14F-4D97-AF65-F5344CB8AC3E}">
+        <p14:creationId xmlns:p14="http://schemas.microsoft.com/office/powerpoint/2010/main" val="2741048896"/>
+      </p:ext>
+    </p:extLst>
+  </p:cSld>
+  <p:clrMapOvr>
+    <a:masterClrMapping/>
+  </p:clrMapOvr>
+</p:sld>
+</file>
+
+<file path=ppt/slides/slide16.xml><?xml version="1.0" encoding="utf-8"?>
+<p:sld xmlns:a="http://schemas.openxmlformats.org/drawingml/2006/main" xmlns:r="http://schemas.openxmlformats.org/officeDocument/2006/relationships" xmlns:p="http://schemas.openxmlformats.org/presentationml/2006/main">
+  <p:cSld>
+    <p:spTree>
+      <p:nvGrpSpPr>
+        <p:cNvPr id="1" name=""/>
+        <p:cNvGrpSpPr/>
+        <p:nvPr/>
+      </p:nvGrpSpPr>
+      <p:grpSpPr>
+        <a:xfrm>
+          <a:off x="0" y="0"/>
+          <a:ext cx="0" cy="0"/>
+          <a:chOff x="0" y="0"/>
+          <a:chExt cx="0" cy="0"/>
+        </a:xfrm>
+      </p:grpSpPr>
+      <p:sp>
+        <p:nvSpPr>
+          <p:cNvPr id="2" name="標題 1">
+            <a:extLst>
+              <a:ext uri="{FF2B5EF4-FFF2-40B4-BE49-F238E27FC236}">
+                <a16:creationId xmlns:a16="http://schemas.microsoft.com/office/drawing/2014/main" id="{9FE46C49-4321-4A7F-BA99-935776747C2A}"/>
+              </a:ext>
+            </a:extLst>
+          </p:cNvPr>
+          <p:cNvSpPr>
+            <a:spLocks noGrp="1"/>
+          </p:cNvSpPr>
+          <p:nvPr>
+            <p:ph type="title"/>
+          </p:nvPr>
+        </p:nvSpPr>
+        <p:spPr/>
+        <p:txBody>
+          <a:bodyPr/>
+          <a:lstStyle/>
+          <a:p>
+            <a:r>
+              <a:rPr lang="en-US" altLang="zh-TW" dirty="0"/>
+              <a:t>Random Generator</a:t>
+            </a:r>
+            <a:r>
+              <a:rPr lang="zh-TW" altLang="en-US" dirty="0"/>
+              <a:t> </a:t>
+            </a:r>
+            <a:r>
+              <a:rPr lang="en-US" altLang="zh-TW" dirty="0"/>
+              <a:t>in C++</a:t>
+            </a:r>
+            <a:endParaRPr lang="zh-TW" altLang="en-US" dirty="0"/>
+          </a:p>
+        </p:txBody>
+      </p:sp>
+      <p:sp>
+        <p:nvSpPr>
+          <p:cNvPr id="4" name="文字方塊 3">
+            <a:extLst>
+              <a:ext uri="{FF2B5EF4-FFF2-40B4-BE49-F238E27FC236}">
+                <a16:creationId xmlns:a16="http://schemas.microsoft.com/office/drawing/2014/main" id="{DFE7A69A-0714-4A4B-B62A-589B8B1BFF0E}"/>
+              </a:ext>
+            </a:extLst>
+          </p:cNvPr>
+          <p:cNvSpPr txBox="1"/>
+          <p:nvPr/>
+        </p:nvSpPr>
+        <p:spPr>
+          <a:xfrm>
+            <a:off x="786467" y="1715479"/>
+            <a:ext cx="8642757" cy="4801314"/>
+          </a:xfrm>
+          <a:prstGeom prst="rect">
+            <a:avLst/>
+          </a:prstGeom>
+          <a:solidFill>
+            <a:schemeClr val="tx1"/>
+          </a:solidFill>
+        </p:spPr>
+        <p:txBody>
+          <a:bodyPr wrap="square">
+            <a:spAutoFit/>
+          </a:bodyPr>
+          <a:lstStyle/>
+          <a:p>
+            <a:r>
+              <a:rPr lang="en-US" altLang="zh-TW" b="0" dirty="0">
+                <a:solidFill>
+                  <a:srgbClr val="AF00DB"/>
+                </a:solidFill>
+                <a:effectLst/>
+                <a:latin typeface="Consolas" panose="020B0609020204030204" pitchFamily="49" charset="0"/>
+              </a:rPr>
+              <a:t>#include</a:t>
+            </a:r>
+            <a:r>
+              <a:rPr lang="en-US" altLang="zh-TW" b="0" dirty="0">
+                <a:solidFill>
+                  <a:srgbClr val="0000FF"/>
+                </a:solidFill>
+                <a:effectLst/>
+                <a:latin typeface="Consolas" panose="020B0609020204030204" pitchFamily="49" charset="0"/>
+              </a:rPr>
+              <a:t> </a:t>
+            </a:r>
+            <a:r>
+              <a:rPr lang="en-US" altLang="zh-TW" b="0" dirty="0">
+                <a:solidFill>
+                  <a:srgbClr val="A31515"/>
+                </a:solidFill>
+                <a:effectLst/>
+                <a:latin typeface="Consolas" panose="020B0609020204030204" pitchFamily="49" charset="0"/>
+              </a:rPr>
+              <a:t>&lt;random&gt;</a:t>
+            </a:r>
+            <a:endParaRPr lang="en-US" altLang="zh-TW" b="0" dirty="0">
+              <a:solidFill>
+                <a:srgbClr val="000000"/>
+              </a:solidFill>
+              <a:effectLst/>
+              <a:latin typeface="Consolas" panose="020B0609020204030204" pitchFamily="49" charset="0"/>
+            </a:endParaRPr>
+          </a:p>
+          <a:p>
+            <a:r>
+              <a:rPr lang="en-US" altLang="zh-TW" b="0" dirty="0">
+                <a:solidFill>
+                  <a:srgbClr val="AF00DB"/>
+                </a:solidFill>
+                <a:effectLst/>
+                <a:latin typeface="Consolas" panose="020B0609020204030204" pitchFamily="49" charset="0"/>
+              </a:rPr>
+              <a:t>#include</a:t>
+            </a:r>
+            <a:r>
+              <a:rPr lang="en-US" altLang="zh-TW" b="0" dirty="0">
+                <a:solidFill>
+                  <a:srgbClr val="0000FF"/>
+                </a:solidFill>
+                <a:effectLst/>
+                <a:latin typeface="Consolas" panose="020B0609020204030204" pitchFamily="49" charset="0"/>
+              </a:rPr>
+              <a:t> </a:t>
+            </a:r>
+            <a:r>
+              <a:rPr lang="en-US" altLang="zh-TW" b="0" dirty="0">
+                <a:solidFill>
+                  <a:srgbClr val="A31515"/>
+                </a:solidFill>
+                <a:effectLst/>
+                <a:latin typeface="Consolas" panose="020B0609020204030204" pitchFamily="49" charset="0"/>
+              </a:rPr>
+              <a:t>&lt;iostream&gt;</a:t>
+            </a:r>
+            <a:endParaRPr lang="en-US" altLang="zh-TW" b="0" dirty="0">
+              <a:solidFill>
+                <a:srgbClr val="000000"/>
+              </a:solidFill>
+              <a:effectLst/>
+              <a:latin typeface="Consolas" panose="020B0609020204030204" pitchFamily="49" charset="0"/>
+            </a:endParaRPr>
+          </a:p>
+          <a:p>
+            <a:r>
+              <a:rPr lang="en-US" altLang="zh-TW" b="0" dirty="0">
+                <a:solidFill>
+                  <a:srgbClr val="000000"/>
+                </a:solidFill>
+                <a:effectLst/>
+                <a:latin typeface="Consolas" panose="020B0609020204030204" pitchFamily="49" charset="0"/>
+              </a:rPr>
+              <a:t> </a:t>
+            </a:r>
+          </a:p>
+          <a:p>
+            <a:r>
+              <a:rPr lang="en-US" altLang="zh-TW" b="0" dirty="0">
+                <a:solidFill>
+                  <a:srgbClr val="0000FF"/>
+                </a:solidFill>
+                <a:effectLst/>
+                <a:latin typeface="Consolas" panose="020B0609020204030204" pitchFamily="49" charset="0"/>
+              </a:rPr>
+              <a:t>int</a:t>
+            </a:r>
+            <a:r>
+              <a:rPr lang="en-US" altLang="zh-TW" b="0" dirty="0">
+                <a:solidFill>
+                  <a:srgbClr val="000000"/>
+                </a:solidFill>
+                <a:effectLst/>
+                <a:latin typeface="Consolas" panose="020B0609020204030204" pitchFamily="49" charset="0"/>
+              </a:rPr>
+              <a:t> </a:t>
+            </a:r>
+            <a:r>
+              <a:rPr lang="en-US" altLang="zh-TW" b="0" dirty="0">
+                <a:solidFill>
+                  <a:srgbClr val="795E26"/>
+                </a:solidFill>
+                <a:effectLst/>
+                <a:latin typeface="Consolas" panose="020B0609020204030204" pitchFamily="49" charset="0"/>
+              </a:rPr>
+              <a:t>main</a:t>
+            </a:r>
+            <a:r>
+              <a:rPr lang="en-US" altLang="zh-TW" b="0" dirty="0">
+                <a:solidFill>
+                  <a:srgbClr val="000000"/>
+                </a:solidFill>
+                <a:effectLst/>
+                <a:latin typeface="Consolas" panose="020B0609020204030204" pitchFamily="49" charset="0"/>
+              </a:rPr>
+              <a:t>()</a:t>
+            </a:r>
+          </a:p>
+          <a:p>
+            <a:r>
+              <a:rPr lang="en-US" altLang="zh-TW" b="0" dirty="0">
+                <a:solidFill>
+                  <a:srgbClr val="000000"/>
+                </a:solidFill>
+                <a:effectLst/>
+                <a:latin typeface="Consolas" panose="020B0609020204030204" pitchFamily="49" charset="0"/>
+              </a:rPr>
+              <a:t>{</a:t>
+            </a:r>
+          </a:p>
+          <a:p>
+            <a:r>
+              <a:rPr lang="en-US" altLang="zh-TW" b="0" dirty="0">
+                <a:solidFill>
+                  <a:srgbClr val="000000"/>
+                </a:solidFill>
+                <a:effectLst/>
+                <a:latin typeface="Consolas" panose="020B0609020204030204" pitchFamily="49" charset="0"/>
+              </a:rPr>
+              <a:t>    </a:t>
+            </a:r>
+            <a:r>
+              <a:rPr lang="en-US" altLang="zh-TW" b="0" dirty="0">
+                <a:solidFill>
+                  <a:srgbClr val="267F99"/>
+                </a:solidFill>
+                <a:effectLst/>
+                <a:latin typeface="Consolas" panose="020B0609020204030204" pitchFamily="49" charset="0"/>
+              </a:rPr>
+              <a:t>std</a:t>
+            </a:r>
+            <a:r>
+              <a:rPr lang="en-US" altLang="zh-TW" b="0" dirty="0">
+                <a:solidFill>
+                  <a:srgbClr val="000000"/>
+                </a:solidFill>
+                <a:effectLst/>
+                <a:latin typeface="Consolas" panose="020B0609020204030204" pitchFamily="49" charset="0"/>
+              </a:rPr>
+              <a:t>::</a:t>
+            </a:r>
+            <a:r>
+              <a:rPr lang="en-US" altLang="zh-TW" b="0" dirty="0" err="1">
+                <a:solidFill>
+                  <a:srgbClr val="267F99"/>
+                </a:solidFill>
+                <a:effectLst/>
+                <a:latin typeface="Consolas" panose="020B0609020204030204" pitchFamily="49" charset="0"/>
+              </a:rPr>
+              <a:t>random_device</a:t>
+            </a:r>
+            <a:r>
+              <a:rPr lang="en-US" altLang="zh-TW" b="0" dirty="0">
+                <a:solidFill>
+                  <a:srgbClr val="000000"/>
+                </a:solidFill>
+                <a:effectLst/>
+                <a:latin typeface="Consolas" panose="020B0609020204030204" pitchFamily="49" charset="0"/>
+              </a:rPr>
+              <a:t> </a:t>
+            </a:r>
+            <a:r>
+              <a:rPr lang="en-US" altLang="zh-TW" b="0" dirty="0" err="1">
+                <a:solidFill>
+                  <a:srgbClr val="001080"/>
+                </a:solidFill>
+                <a:effectLst/>
+                <a:latin typeface="Consolas" panose="020B0609020204030204" pitchFamily="49" charset="0"/>
+              </a:rPr>
+              <a:t>rd</a:t>
+            </a:r>
+            <a:r>
+              <a:rPr lang="en-US" altLang="zh-TW" b="0" dirty="0">
+                <a:solidFill>
+                  <a:srgbClr val="000000"/>
+                </a:solidFill>
+                <a:effectLst/>
+                <a:latin typeface="Consolas" panose="020B0609020204030204" pitchFamily="49" charset="0"/>
+              </a:rPr>
+              <a:t>;</a:t>
+            </a:r>
+          </a:p>
+          <a:p>
+            <a:r>
+              <a:rPr lang="en-US" altLang="zh-TW" b="0" dirty="0">
+                <a:solidFill>
+                  <a:srgbClr val="000000"/>
+                </a:solidFill>
+                <a:effectLst/>
+                <a:latin typeface="Consolas" panose="020B0609020204030204" pitchFamily="49" charset="0"/>
+              </a:rPr>
+              <a:t>    </a:t>
+            </a:r>
+            <a:r>
+              <a:rPr lang="en-US" altLang="zh-TW" b="0" dirty="0">
+                <a:solidFill>
+                  <a:srgbClr val="267F99"/>
+                </a:solidFill>
+                <a:effectLst/>
+                <a:latin typeface="Consolas" panose="020B0609020204030204" pitchFamily="49" charset="0"/>
+              </a:rPr>
+              <a:t>std</a:t>
+            </a:r>
+            <a:r>
+              <a:rPr lang="en-US" altLang="zh-TW" b="0" dirty="0">
+                <a:solidFill>
+                  <a:srgbClr val="000000"/>
+                </a:solidFill>
+                <a:effectLst/>
+                <a:latin typeface="Consolas" panose="020B0609020204030204" pitchFamily="49" charset="0"/>
+              </a:rPr>
+              <a:t>::</a:t>
+            </a:r>
+            <a:r>
+              <a:rPr lang="en-US" altLang="zh-TW" b="0" dirty="0">
+                <a:solidFill>
+                  <a:srgbClr val="267F99"/>
+                </a:solidFill>
+                <a:effectLst/>
+                <a:latin typeface="Consolas" panose="020B0609020204030204" pitchFamily="49" charset="0"/>
+              </a:rPr>
+              <a:t>mt19937</a:t>
+            </a:r>
+            <a:r>
+              <a:rPr lang="en-US" altLang="zh-TW" b="0" dirty="0">
+                <a:solidFill>
+                  <a:srgbClr val="000000"/>
+                </a:solidFill>
+                <a:effectLst/>
+                <a:latin typeface="Consolas" panose="020B0609020204030204" pitchFamily="49" charset="0"/>
+              </a:rPr>
+              <a:t> </a:t>
+            </a:r>
+            <a:r>
+              <a:rPr lang="en-US" altLang="zh-TW" b="0" dirty="0">
+                <a:solidFill>
+                  <a:srgbClr val="001080"/>
+                </a:solidFill>
+                <a:effectLst/>
+                <a:latin typeface="Consolas" panose="020B0609020204030204" pitchFamily="49" charset="0"/>
+              </a:rPr>
+              <a:t>gen</a:t>
+            </a:r>
+            <a:r>
+              <a:rPr lang="en-US" altLang="zh-TW" b="0" dirty="0">
+                <a:solidFill>
+                  <a:srgbClr val="000000"/>
+                </a:solidFill>
+                <a:effectLst/>
+                <a:latin typeface="Consolas" panose="020B0609020204030204" pitchFamily="49" charset="0"/>
+              </a:rPr>
+              <a:t>(</a:t>
+            </a:r>
+            <a:r>
+              <a:rPr lang="en-US" altLang="zh-TW" b="0" dirty="0" err="1">
+                <a:solidFill>
+                  <a:srgbClr val="001080"/>
+                </a:solidFill>
+                <a:effectLst/>
+                <a:latin typeface="Consolas" panose="020B0609020204030204" pitchFamily="49" charset="0"/>
+              </a:rPr>
+              <a:t>rd</a:t>
+            </a:r>
+            <a:r>
+              <a:rPr lang="en-US" altLang="zh-TW" b="0" dirty="0">
+                <a:solidFill>
+                  <a:srgbClr val="795E26"/>
+                </a:solidFill>
+                <a:effectLst/>
+                <a:latin typeface="Consolas" panose="020B0609020204030204" pitchFamily="49" charset="0"/>
+              </a:rPr>
+              <a:t>()</a:t>
+            </a:r>
+            <a:r>
+              <a:rPr lang="en-US" altLang="zh-TW" b="0" dirty="0">
+                <a:solidFill>
+                  <a:srgbClr val="000000"/>
+                </a:solidFill>
+                <a:effectLst/>
+                <a:latin typeface="Consolas" panose="020B0609020204030204" pitchFamily="49" charset="0"/>
+              </a:rPr>
+              <a:t>);</a:t>
+            </a:r>
+          </a:p>
+          <a:p>
+            <a:r>
+              <a:rPr lang="en-US" altLang="zh-TW" b="0" dirty="0">
+                <a:solidFill>
+                  <a:srgbClr val="000000"/>
+                </a:solidFill>
+                <a:effectLst/>
+                <a:latin typeface="Consolas" panose="020B0609020204030204" pitchFamily="49" charset="0"/>
+              </a:rPr>
+              <a:t>    </a:t>
+            </a:r>
+            <a:r>
+              <a:rPr lang="en-US" altLang="zh-TW" b="0" dirty="0">
+                <a:solidFill>
+                  <a:srgbClr val="267F99"/>
+                </a:solidFill>
+                <a:effectLst/>
+                <a:latin typeface="Consolas" panose="020B0609020204030204" pitchFamily="49" charset="0"/>
+              </a:rPr>
+              <a:t>std</a:t>
+            </a:r>
+            <a:r>
+              <a:rPr lang="en-US" altLang="zh-TW" b="0" dirty="0">
+                <a:solidFill>
+                  <a:srgbClr val="000000"/>
+                </a:solidFill>
+                <a:effectLst/>
+                <a:latin typeface="Consolas" panose="020B0609020204030204" pitchFamily="49" charset="0"/>
+              </a:rPr>
+              <a:t>::</a:t>
+            </a:r>
+            <a:r>
+              <a:rPr lang="en-US" altLang="zh-TW" b="0" dirty="0" err="1">
+                <a:solidFill>
+                  <a:srgbClr val="267F99"/>
+                </a:solidFill>
+                <a:effectLst/>
+                <a:latin typeface="Consolas" panose="020B0609020204030204" pitchFamily="49" charset="0"/>
+              </a:rPr>
+              <a:t>uniform_int_distribution</a:t>
+            </a:r>
+            <a:r>
+              <a:rPr lang="en-US" altLang="zh-TW" b="0" dirty="0">
+                <a:solidFill>
+                  <a:srgbClr val="000000"/>
+                </a:solidFill>
+                <a:effectLst/>
+                <a:latin typeface="Consolas" panose="020B0609020204030204" pitchFamily="49" charset="0"/>
+              </a:rPr>
+              <a:t>&lt;&gt; </a:t>
+            </a:r>
+            <a:r>
+              <a:rPr lang="en-US" altLang="zh-TW" b="0" dirty="0" err="1">
+                <a:solidFill>
+                  <a:srgbClr val="001080"/>
+                </a:solidFill>
+                <a:effectLst/>
+                <a:latin typeface="Consolas" panose="020B0609020204030204" pitchFamily="49" charset="0"/>
+              </a:rPr>
+              <a:t>distrib</a:t>
+            </a:r>
+            <a:r>
+              <a:rPr lang="en-US" altLang="zh-TW" b="0" dirty="0">
+                <a:solidFill>
+                  <a:srgbClr val="000000"/>
+                </a:solidFill>
+                <a:effectLst/>
+                <a:latin typeface="Consolas" panose="020B0609020204030204" pitchFamily="49" charset="0"/>
+              </a:rPr>
+              <a:t>(</a:t>
+            </a:r>
+            <a:r>
+              <a:rPr lang="en-US" altLang="zh-TW" b="0" dirty="0">
+                <a:solidFill>
+                  <a:srgbClr val="098658"/>
+                </a:solidFill>
+                <a:effectLst/>
+                <a:latin typeface="Consolas" panose="020B0609020204030204" pitchFamily="49" charset="0"/>
+              </a:rPr>
+              <a:t>1</a:t>
+            </a:r>
+            <a:r>
+              <a:rPr lang="en-US" altLang="zh-TW" b="0" dirty="0">
+                <a:solidFill>
+                  <a:srgbClr val="000000"/>
+                </a:solidFill>
+                <a:effectLst/>
+                <a:latin typeface="Consolas" panose="020B0609020204030204" pitchFamily="49" charset="0"/>
+              </a:rPr>
+              <a:t>, </a:t>
+            </a:r>
+            <a:r>
+              <a:rPr lang="en-US" altLang="zh-TW" b="0" dirty="0">
+                <a:solidFill>
+                  <a:srgbClr val="098658"/>
+                </a:solidFill>
+                <a:effectLst/>
+                <a:latin typeface="Consolas" panose="020B0609020204030204" pitchFamily="49" charset="0"/>
+              </a:rPr>
+              <a:t>6</a:t>
+            </a:r>
+            <a:r>
+              <a:rPr lang="en-US" altLang="zh-TW" b="0" dirty="0">
+                <a:solidFill>
+                  <a:srgbClr val="000000"/>
+                </a:solidFill>
+                <a:effectLst/>
+                <a:latin typeface="Consolas" panose="020B0609020204030204" pitchFamily="49" charset="0"/>
+              </a:rPr>
+              <a:t>);</a:t>
+            </a:r>
+          </a:p>
+          <a:p>
+            <a:r>
+              <a:rPr lang="en-US" altLang="zh-TW" b="0" dirty="0">
+                <a:solidFill>
+                  <a:srgbClr val="000000"/>
+                </a:solidFill>
+                <a:effectLst/>
+                <a:latin typeface="Consolas" panose="020B0609020204030204" pitchFamily="49" charset="0"/>
+              </a:rPr>
+              <a:t> </a:t>
+            </a:r>
+          </a:p>
+          <a:p>
+            <a:r>
+              <a:rPr lang="en-US" altLang="zh-TW" b="0" dirty="0">
+                <a:solidFill>
+                  <a:srgbClr val="000000"/>
+                </a:solidFill>
+                <a:effectLst/>
+                <a:latin typeface="Consolas" panose="020B0609020204030204" pitchFamily="49" charset="0"/>
+              </a:rPr>
+              <a:t>    </a:t>
+            </a:r>
+            <a:r>
+              <a:rPr lang="en-US" altLang="zh-TW" b="0" dirty="0">
+                <a:solidFill>
+                  <a:srgbClr val="AF00DB"/>
+                </a:solidFill>
+                <a:effectLst/>
+                <a:latin typeface="Consolas" panose="020B0609020204030204" pitchFamily="49" charset="0"/>
+              </a:rPr>
+              <a:t>for</a:t>
+            </a:r>
+            <a:r>
+              <a:rPr lang="en-US" altLang="zh-TW" b="0" dirty="0">
+                <a:solidFill>
+                  <a:srgbClr val="000000"/>
+                </a:solidFill>
+                <a:effectLst/>
+                <a:latin typeface="Consolas" panose="020B0609020204030204" pitchFamily="49" charset="0"/>
+              </a:rPr>
+              <a:t> (</a:t>
+            </a:r>
+            <a:r>
+              <a:rPr lang="en-US" altLang="zh-TW" b="0" dirty="0">
+                <a:solidFill>
+                  <a:srgbClr val="0000FF"/>
+                </a:solidFill>
+                <a:effectLst/>
+                <a:latin typeface="Consolas" panose="020B0609020204030204" pitchFamily="49" charset="0"/>
+              </a:rPr>
+              <a:t>int</a:t>
+            </a:r>
+            <a:r>
+              <a:rPr lang="en-US" altLang="zh-TW" b="0" dirty="0">
+                <a:solidFill>
+                  <a:srgbClr val="000000"/>
+                </a:solidFill>
+                <a:effectLst/>
+                <a:latin typeface="Consolas" panose="020B0609020204030204" pitchFamily="49" charset="0"/>
+              </a:rPr>
+              <a:t> </a:t>
+            </a:r>
+            <a:r>
+              <a:rPr lang="en-US" altLang="zh-TW" b="0" dirty="0">
+                <a:solidFill>
+                  <a:srgbClr val="001080"/>
+                </a:solidFill>
+                <a:effectLst/>
+                <a:latin typeface="Consolas" panose="020B0609020204030204" pitchFamily="49" charset="0"/>
+              </a:rPr>
+              <a:t>n</a:t>
+            </a:r>
+            <a:r>
+              <a:rPr lang="en-US" altLang="zh-TW" b="0" dirty="0">
+                <a:solidFill>
+                  <a:srgbClr val="000000"/>
+                </a:solidFill>
+                <a:effectLst/>
+                <a:latin typeface="Consolas" panose="020B0609020204030204" pitchFamily="49" charset="0"/>
+              </a:rPr>
+              <a:t>=</a:t>
+            </a:r>
+            <a:r>
+              <a:rPr lang="en-US" altLang="zh-TW" b="0" dirty="0">
+                <a:solidFill>
+                  <a:srgbClr val="098658"/>
+                </a:solidFill>
+                <a:effectLst/>
+                <a:latin typeface="Consolas" panose="020B0609020204030204" pitchFamily="49" charset="0"/>
+              </a:rPr>
+              <a:t>0</a:t>
+            </a:r>
+            <a:r>
+              <a:rPr lang="en-US" altLang="zh-TW" b="0" dirty="0">
+                <a:solidFill>
+                  <a:srgbClr val="000000"/>
+                </a:solidFill>
+                <a:effectLst/>
+                <a:latin typeface="Consolas" panose="020B0609020204030204" pitchFamily="49" charset="0"/>
+              </a:rPr>
+              <a:t>; </a:t>
+            </a:r>
+            <a:r>
+              <a:rPr lang="en-US" altLang="zh-TW" b="0" dirty="0">
+                <a:solidFill>
+                  <a:srgbClr val="001080"/>
+                </a:solidFill>
+                <a:effectLst/>
+                <a:latin typeface="Consolas" panose="020B0609020204030204" pitchFamily="49" charset="0"/>
+              </a:rPr>
+              <a:t>n</a:t>
+            </a:r>
+            <a:r>
+              <a:rPr lang="en-US" altLang="zh-TW" b="0" dirty="0">
+                <a:solidFill>
+                  <a:srgbClr val="000000"/>
+                </a:solidFill>
+                <a:effectLst/>
+                <a:latin typeface="Consolas" panose="020B0609020204030204" pitchFamily="49" charset="0"/>
+              </a:rPr>
+              <a:t>&lt;</a:t>
+            </a:r>
+            <a:r>
+              <a:rPr lang="en-US" altLang="zh-TW" b="0" dirty="0">
+                <a:solidFill>
+                  <a:srgbClr val="098658"/>
+                </a:solidFill>
+                <a:effectLst/>
+                <a:latin typeface="Consolas" panose="020B0609020204030204" pitchFamily="49" charset="0"/>
+              </a:rPr>
+              <a:t>10</a:t>
+            </a:r>
+            <a:r>
+              <a:rPr lang="en-US" altLang="zh-TW" b="0" dirty="0">
+                <a:solidFill>
+                  <a:srgbClr val="000000"/>
+                </a:solidFill>
+                <a:effectLst/>
+                <a:latin typeface="Consolas" panose="020B0609020204030204" pitchFamily="49" charset="0"/>
+              </a:rPr>
+              <a:t>; ++</a:t>
+            </a:r>
+            <a:r>
+              <a:rPr lang="en-US" altLang="zh-TW" b="0" dirty="0">
+                <a:solidFill>
+                  <a:srgbClr val="001080"/>
+                </a:solidFill>
+                <a:effectLst/>
+                <a:latin typeface="Consolas" panose="020B0609020204030204" pitchFamily="49" charset="0"/>
+              </a:rPr>
+              <a:t>n</a:t>
+            </a:r>
+            <a:r>
+              <a:rPr lang="en-US" altLang="zh-TW" b="0" dirty="0">
+                <a:solidFill>
+                  <a:srgbClr val="000000"/>
+                </a:solidFill>
+                <a:effectLst/>
+                <a:latin typeface="Consolas" panose="020B0609020204030204" pitchFamily="49" charset="0"/>
+              </a:rPr>
+              <a:t>)</a:t>
+            </a:r>
+          </a:p>
+          <a:p>
+            <a:r>
+              <a:rPr lang="en-US" altLang="zh-TW" b="0" dirty="0">
+                <a:solidFill>
+                  <a:srgbClr val="000000"/>
+                </a:solidFill>
+                <a:effectLst/>
+                <a:latin typeface="Consolas" panose="020B0609020204030204" pitchFamily="49" charset="0"/>
+              </a:rPr>
+              <a:t>    {</a:t>
+            </a:r>
+          </a:p>
+          <a:p>
+            <a:r>
+              <a:rPr lang="en-US" altLang="zh-TW" b="0" dirty="0">
+                <a:solidFill>
+                  <a:srgbClr val="000000"/>
+                </a:solidFill>
+                <a:effectLst/>
+                <a:latin typeface="Consolas" panose="020B0609020204030204" pitchFamily="49" charset="0"/>
+              </a:rPr>
+              <a:t>        </a:t>
+            </a:r>
+            <a:r>
+              <a:rPr lang="en-US" altLang="zh-TW" b="0" dirty="0">
+                <a:solidFill>
+                  <a:srgbClr val="267F99"/>
+                </a:solidFill>
+                <a:effectLst/>
+                <a:latin typeface="Consolas" panose="020B0609020204030204" pitchFamily="49" charset="0"/>
+              </a:rPr>
+              <a:t>std</a:t>
+            </a:r>
+            <a:r>
+              <a:rPr lang="en-US" altLang="zh-TW" b="0" dirty="0">
+                <a:solidFill>
+                  <a:srgbClr val="000000"/>
+                </a:solidFill>
+                <a:effectLst/>
+                <a:latin typeface="Consolas" panose="020B0609020204030204" pitchFamily="49" charset="0"/>
+              </a:rPr>
+              <a:t>::</a:t>
+            </a:r>
+            <a:r>
+              <a:rPr lang="en-US" altLang="zh-TW" b="0" dirty="0" err="1">
+                <a:solidFill>
+                  <a:srgbClr val="001080"/>
+                </a:solidFill>
+                <a:effectLst/>
+                <a:latin typeface="Consolas" panose="020B0609020204030204" pitchFamily="49" charset="0"/>
+              </a:rPr>
+              <a:t>cout</a:t>
+            </a:r>
+            <a:r>
+              <a:rPr lang="en-US" altLang="zh-TW" b="0" dirty="0">
+                <a:solidFill>
+                  <a:srgbClr val="000000"/>
+                </a:solidFill>
+                <a:effectLst/>
+                <a:latin typeface="Consolas" panose="020B0609020204030204" pitchFamily="49" charset="0"/>
+              </a:rPr>
+              <a:t> </a:t>
+            </a:r>
+            <a:r>
+              <a:rPr lang="en-US" altLang="zh-TW" b="0" dirty="0">
+                <a:solidFill>
+                  <a:srgbClr val="795E26"/>
+                </a:solidFill>
+                <a:effectLst/>
+                <a:latin typeface="Consolas" panose="020B0609020204030204" pitchFamily="49" charset="0"/>
+              </a:rPr>
+              <a:t>&lt;&lt;</a:t>
+            </a:r>
+            <a:r>
+              <a:rPr lang="en-US" altLang="zh-TW" b="0" dirty="0">
+                <a:solidFill>
+                  <a:srgbClr val="000000"/>
+                </a:solidFill>
+                <a:effectLst/>
+                <a:latin typeface="Consolas" panose="020B0609020204030204" pitchFamily="49" charset="0"/>
+              </a:rPr>
+              <a:t> </a:t>
+            </a:r>
+            <a:r>
+              <a:rPr lang="en-US" altLang="zh-TW" b="0" dirty="0" err="1">
+                <a:solidFill>
+                  <a:srgbClr val="001080"/>
+                </a:solidFill>
+                <a:effectLst/>
+                <a:latin typeface="Consolas" panose="020B0609020204030204" pitchFamily="49" charset="0"/>
+              </a:rPr>
+              <a:t>distrib</a:t>
+            </a:r>
+            <a:r>
+              <a:rPr lang="en-US" altLang="zh-TW" b="0" dirty="0">
+                <a:solidFill>
+                  <a:srgbClr val="795E26"/>
+                </a:solidFill>
+                <a:effectLst/>
+                <a:latin typeface="Consolas" panose="020B0609020204030204" pitchFamily="49" charset="0"/>
+              </a:rPr>
+              <a:t>(</a:t>
+            </a:r>
+            <a:r>
+              <a:rPr lang="en-US" altLang="zh-TW" b="0" dirty="0">
+                <a:solidFill>
+                  <a:srgbClr val="001080"/>
+                </a:solidFill>
+                <a:effectLst/>
+                <a:latin typeface="Consolas" panose="020B0609020204030204" pitchFamily="49" charset="0"/>
+              </a:rPr>
+              <a:t>gen</a:t>
+            </a:r>
+            <a:r>
+              <a:rPr lang="en-US" altLang="zh-TW" b="0" dirty="0">
+                <a:solidFill>
+                  <a:srgbClr val="795E26"/>
+                </a:solidFill>
+                <a:effectLst/>
+                <a:latin typeface="Consolas" panose="020B0609020204030204" pitchFamily="49" charset="0"/>
+              </a:rPr>
+              <a:t>)</a:t>
+            </a:r>
+            <a:r>
+              <a:rPr lang="en-US" altLang="zh-TW" b="0" dirty="0">
+                <a:solidFill>
+                  <a:srgbClr val="000000"/>
+                </a:solidFill>
+                <a:effectLst/>
+                <a:latin typeface="Consolas" panose="020B0609020204030204" pitchFamily="49" charset="0"/>
+              </a:rPr>
+              <a:t> </a:t>
+            </a:r>
+            <a:r>
+              <a:rPr lang="en-US" altLang="zh-TW" b="0" dirty="0">
+                <a:solidFill>
+                  <a:srgbClr val="795E26"/>
+                </a:solidFill>
+                <a:effectLst/>
+                <a:latin typeface="Consolas" panose="020B0609020204030204" pitchFamily="49" charset="0"/>
+              </a:rPr>
+              <a:t>&lt;&lt;</a:t>
+            </a:r>
+            <a:r>
+              <a:rPr lang="en-US" altLang="zh-TW" b="0" dirty="0">
+                <a:solidFill>
+                  <a:srgbClr val="000000"/>
+                </a:solidFill>
+                <a:effectLst/>
+                <a:latin typeface="Consolas" panose="020B0609020204030204" pitchFamily="49" charset="0"/>
+              </a:rPr>
+              <a:t> </a:t>
+            </a:r>
+            <a:r>
+              <a:rPr lang="en-US" altLang="zh-TW" b="0" dirty="0">
+                <a:solidFill>
+                  <a:srgbClr val="A31515"/>
+                </a:solidFill>
+                <a:effectLst/>
+                <a:latin typeface="Consolas" panose="020B0609020204030204" pitchFamily="49" charset="0"/>
+              </a:rPr>
+              <a:t>' '</a:t>
+            </a:r>
+            <a:r>
+              <a:rPr lang="en-US" altLang="zh-TW" b="0" dirty="0">
+                <a:solidFill>
+                  <a:srgbClr val="000000"/>
+                </a:solidFill>
+                <a:effectLst/>
+                <a:latin typeface="Consolas" panose="020B0609020204030204" pitchFamily="49" charset="0"/>
+              </a:rPr>
+              <a:t>;</a:t>
+            </a:r>
+          </a:p>
+          <a:p>
+            <a:r>
+              <a:rPr lang="en-US" altLang="zh-TW" b="0" dirty="0">
+                <a:solidFill>
+                  <a:srgbClr val="000000"/>
+                </a:solidFill>
+                <a:effectLst/>
+                <a:latin typeface="Consolas" panose="020B0609020204030204" pitchFamily="49" charset="0"/>
+              </a:rPr>
+              <a:t>    }</a:t>
+            </a:r>
+          </a:p>
+          <a:p>
+            <a:r>
+              <a:rPr lang="en-US" altLang="zh-TW" b="0" dirty="0">
+                <a:solidFill>
+                  <a:srgbClr val="000000"/>
+                </a:solidFill>
+                <a:effectLst/>
+                <a:latin typeface="Consolas" panose="020B0609020204030204" pitchFamily="49" charset="0"/>
+              </a:rPr>
+              <a:t>    </a:t>
+            </a:r>
+            <a:r>
+              <a:rPr lang="en-US" altLang="zh-TW" b="0" dirty="0">
+                <a:solidFill>
+                  <a:srgbClr val="267F99"/>
+                </a:solidFill>
+                <a:effectLst/>
+                <a:latin typeface="Consolas" panose="020B0609020204030204" pitchFamily="49" charset="0"/>
+              </a:rPr>
+              <a:t>std</a:t>
+            </a:r>
+            <a:r>
+              <a:rPr lang="en-US" altLang="zh-TW" b="0" dirty="0">
+                <a:solidFill>
+                  <a:srgbClr val="000000"/>
+                </a:solidFill>
+                <a:effectLst/>
+                <a:latin typeface="Consolas" panose="020B0609020204030204" pitchFamily="49" charset="0"/>
+              </a:rPr>
+              <a:t>::</a:t>
+            </a:r>
+            <a:r>
+              <a:rPr lang="en-US" altLang="zh-TW" b="0" dirty="0" err="1">
+                <a:solidFill>
+                  <a:srgbClr val="001080"/>
+                </a:solidFill>
+                <a:effectLst/>
+                <a:latin typeface="Consolas" panose="020B0609020204030204" pitchFamily="49" charset="0"/>
+              </a:rPr>
+              <a:t>cout</a:t>
+            </a:r>
+            <a:r>
+              <a:rPr lang="en-US" altLang="zh-TW" b="0" dirty="0">
+                <a:solidFill>
+                  <a:srgbClr val="000000"/>
+                </a:solidFill>
+                <a:effectLst/>
+                <a:latin typeface="Consolas" panose="020B0609020204030204" pitchFamily="49" charset="0"/>
+              </a:rPr>
+              <a:t> </a:t>
+            </a:r>
+            <a:r>
+              <a:rPr lang="en-US" altLang="zh-TW" b="0" dirty="0">
+                <a:solidFill>
+                  <a:srgbClr val="795E26"/>
+                </a:solidFill>
+                <a:effectLst/>
+                <a:latin typeface="Consolas" panose="020B0609020204030204" pitchFamily="49" charset="0"/>
+              </a:rPr>
+              <a:t>&lt;&lt;</a:t>
+            </a:r>
+            <a:r>
+              <a:rPr lang="en-US" altLang="zh-TW" b="0" dirty="0">
+                <a:solidFill>
+                  <a:srgbClr val="000000"/>
+                </a:solidFill>
+                <a:effectLst/>
+                <a:latin typeface="Consolas" panose="020B0609020204030204" pitchFamily="49" charset="0"/>
+              </a:rPr>
+              <a:t> </a:t>
+            </a:r>
+            <a:r>
+              <a:rPr lang="en-US" altLang="zh-TW" b="0" dirty="0">
+                <a:solidFill>
+                  <a:srgbClr val="A31515"/>
+                </a:solidFill>
+                <a:effectLst/>
+                <a:latin typeface="Consolas" panose="020B0609020204030204" pitchFamily="49" charset="0"/>
+              </a:rPr>
+              <a:t>'</a:t>
+            </a:r>
+            <a:r>
+              <a:rPr lang="en-US" altLang="zh-TW" b="0" dirty="0">
+                <a:solidFill>
+                  <a:srgbClr val="EE0000"/>
+                </a:solidFill>
+                <a:effectLst/>
+                <a:latin typeface="Consolas" panose="020B0609020204030204" pitchFamily="49" charset="0"/>
+              </a:rPr>
+              <a:t>\n</a:t>
+            </a:r>
+            <a:r>
+              <a:rPr lang="en-US" altLang="zh-TW" b="0" dirty="0">
+                <a:solidFill>
+                  <a:srgbClr val="A31515"/>
+                </a:solidFill>
+                <a:effectLst/>
+                <a:latin typeface="Consolas" panose="020B0609020204030204" pitchFamily="49" charset="0"/>
+              </a:rPr>
+              <a:t>'</a:t>
+            </a:r>
+            <a:r>
+              <a:rPr lang="en-US" altLang="zh-TW" b="0" dirty="0">
+                <a:solidFill>
+                  <a:srgbClr val="000000"/>
+                </a:solidFill>
+                <a:effectLst/>
+                <a:latin typeface="Consolas" panose="020B0609020204030204" pitchFamily="49" charset="0"/>
+              </a:rPr>
+              <a:t>;</a:t>
+            </a:r>
+          </a:p>
+          <a:p>
+            <a:br>
+              <a:rPr lang="en-US" altLang="zh-TW" b="0" dirty="0">
+                <a:solidFill>
+                  <a:srgbClr val="000000"/>
+                </a:solidFill>
+                <a:effectLst/>
+                <a:latin typeface="Consolas" panose="020B0609020204030204" pitchFamily="49" charset="0"/>
+              </a:rPr>
+            </a:br>
+            <a:r>
+              <a:rPr lang="en-US" altLang="zh-TW" b="0" dirty="0">
+                <a:solidFill>
+                  <a:srgbClr val="000000"/>
+                </a:solidFill>
+                <a:effectLst/>
+                <a:latin typeface="Consolas" panose="020B0609020204030204" pitchFamily="49" charset="0"/>
+              </a:rPr>
+              <a:t>    </a:t>
+            </a:r>
+            <a:r>
+              <a:rPr lang="en-US" altLang="zh-TW" b="0" dirty="0">
+                <a:solidFill>
+                  <a:srgbClr val="AF00DB"/>
+                </a:solidFill>
+                <a:effectLst/>
+                <a:latin typeface="Consolas" panose="020B0609020204030204" pitchFamily="49" charset="0"/>
+              </a:rPr>
+              <a:t>return</a:t>
+            </a:r>
+            <a:r>
+              <a:rPr lang="en-US" altLang="zh-TW" b="0" dirty="0">
+                <a:solidFill>
+                  <a:srgbClr val="000000"/>
+                </a:solidFill>
+                <a:effectLst/>
+                <a:latin typeface="Consolas" panose="020B0609020204030204" pitchFamily="49" charset="0"/>
+              </a:rPr>
+              <a:t> </a:t>
+            </a:r>
+            <a:r>
+              <a:rPr lang="en-US" altLang="zh-TW" b="0" dirty="0">
+                <a:solidFill>
+                  <a:srgbClr val="098658"/>
+                </a:solidFill>
+                <a:effectLst/>
+                <a:latin typeface="Consolas" panose="020B0609020204030204" pitchFamily="49" charset="0"/>
+              </a:rPr>
+              <a:t>0</a:t>
+            </a:r>
+            <a:r>
+              <a:rPr lang="en-US" altLang="zh-TW" b="0" dirty="0">
+                <a:solidFill>
+                  <a:srgbClr val="000000"/>
+                </a:solidFill>
+                <a:effectLst/>
+                <a:latin typeface="Consolas" panose="020B0609020204030204" pitchFamily="49" charset="0"/>
+              </a:rPr>
+              <a:t>;</a:t>
+            </a:r>
+          </a:p>
+          <a:p>
+            <a:r>
+              <a:rPr lang="en-US" altLang="zh-TW" b="0" dirty="0">
+                <a:solidFill>
+                  <a:srgbClr val="000000"/>
+                </a:solidFill>
+                <a:effectLst/>
+                <a:latin typeface="Consolas" panose="020B0609020204030204" pitchFamily="49" charset="0"/>
+              </a:rPr>
+              <a:t>}</a:t>
+            </a:r>
+          </a:p>
+        </p:txBody>
+      </p:sp>
+      <p:sp>
+        <p:nvSpPr>
+          <p:cNvPr id="5" name="文字方塊 4">
+            <a:extLst>
+              <a:ext uri="{FF2B5EF4-FFF2-40B4-BE49-F238E27FC236}">
+                <a16:creationId xmlns:a16="http://schemas.microsoft.com/office/drawing/2014/main" id="{030DF744-0256-473A-8D41-64FF9EF332A8}"/>
+              </a:ext>
+            </a:extLst>
+          </p:cNvPr>
+          <p:cNvSpPr txBox="1"/>
+          <p:nvPr/>
+        </p:nvSpPr>
+        <p:spPr>
+          <a:xfrm>
+            <a:off x="0" y="6488668"/>
+            <a:ext cx="7736746" cy="369332"/>
+          </a:xfrm>
+          <a:prstGeom prst="rect">
+            <a:avLst/>
+          </a:prstGeom>
+          <a:noFill/>
+        </p:spPr>
+        <p:txBody>
+          <a:bodyPr wrap="square">
+            <a:spAutoFit/>
+          </a:bodyPr>
+          <a:lstStyle/>
+          <a:p>
+            <a:r>
+              <a:rPr lang="zh-TW" altLang="en-US" dirty="0"/>
+              <a:t>https://en.cppreference.com/w/cpp/numeric/random/uniform_int_distribution</a:t>
+            </a:r>
+          </a:p>
+        </p:txBody>
+      </p:sp>
+      <p:sp>
+        <p:nvSpPr>
+          <p:cNvPr id="6" name="矩形 5">
+            <a:extLst>
+              <a:ext uri="{FF2B5EF4-FFF2-40B4-BE49-F238E27FC236}">
+                <a16:creationId xmlns:a16="http://schemas.microsoft.com/office/drawing/2014/main" id="{8FE7A249-F814-43DE-80D2-BA062324E1DD}"/>
+              </a:ext>
+            </a:extLst>
+          </p:cNvPr>
+          <p:cNvSpPr/>
+          <p:nvPr/>
+        </p:nvSpPr>
+        <p:spPr>
+          <a:xfrm>
+            <a:off x="1350628" y="3154261"/>
+            <a:ext cx="2961313" cy="562062"/>
+          </a:xfrm>
+          <a:prstGeom prst="rect">
+            <a:avLst/>
+          </a:prstGeom>
+          <a:noFill/>
+          <a:ln w="38100">
+            <a:solidFill>
+              <a:schemeClr val="accent6"/>
+            </a:solidFill>
+          </a:ln>
+        </p:spPr>
+        <p:style>
+          <a:lnRef idx="2">
+            <a:schemeClr val="accent1">
+              <a:shade val="50000"/>
+            </a:schemeClr>
+          </a:lnRef>
+          <a:fillRef idx="1">
+            <a:schemeClr val="accent1"/>
+          </a:fillRef>
+          <a:effectRef idx="0">
+            <a:schemeClr val="accent1"/>
+          </a:effectRef>
+          <a:fontRef idx="minor">
+            <a:schemeClr val="lt1"/>
+          </a:fontRef>
+        </p:style>
+        <p:txBody>
+          <a:bodyPr rtlCol="0" anchor="ctr"/>
+          <a:lstStyle/>
+          <a:p>
+            <a:pPr algn="ctr"/>
+            <a:endParaRPr lang="zh-TW" altLang="en-US"/>
+          </a:p>
+        </p:txBody>
+      </p:sp>
+      <p:sp>
+        <p:nvSpPr>
+          <p:cNvPr id="9" name="文字方塊 8">
+            <a:extLst>
+              <a:ext uri="{FF2B5EF4-FFF2-40B4-BE49-F238E27FC236}">
+                <a16:creationId xmlns:a16="http://schemas.microsoft.com/office/drawing/2014/main" id="{CF19A09F-5678-4643-B85E-8465AED3434F}"/>
+              </a:ext>
+            </a:extLst>
+          </p:cNvPr>
+          <p:cNvSpPr txBox="1"/>
+          <p:nvPr/>
+        </p:nvSpPr>
+        <p:spPr>
+          <a:xfrm>
+            <a:off x="5751513" y="2474752"/>
+            <a:ext cx="3520323" cy="461665"/>
+          </a:xfrm>
+          <a:prstGeom prst="rect">
+            <a:avLst/>
+          </a:prstGeom>
+          <a:noFill/>
+        </p:spPr>
+        <p:txBody>
+          <a:bodyPr wrap="none" rtlCol="0">
+            <a:spAutoFit/>
+          </a:bodyPr>
+          <a:lstStyle/>
+          <a:p>
+            <a:r>
+              <a:rPr lang="en-US" altLang="zh-TW" sz="2400" dirty="0">
+                <a:solidFill>
+                  <a:schemeClr val="bg1"/>
+                </a:solidFill>
+              </a:rPr>
+              <a:t>random number generator</a:t>
+            </a:r>
+            <a:endParaRPr lang="zh-TW" altLang="en-US" sz="2400" dirty="0">
+              <a:solidFill>
+                <a:schemeClr val="bg1"/>
+              </a:solidFill>
+            </a:endParaRPr>
+          </a:p>
+        </p:txBody>
+      </p:sp>
+      <p:cxnSp>
+        <p:nvCxnSpPr>
+          <p:cNvPr id="12" name="接點: 肘形 11">
+            <a:extLst>
+              <a:ext uri="{FF2B5EF4-FFF2-40B4-BE49-F238E27FC236}">
+                <a16:creationId xmlns:a16="http://schemas.microsoft.com/office/drawing/2014/main" id="{CF331581-5379-4A9F-A75A-3BEA6A7753CA}"/>
+              </a:ext>
+            </a:extLst>
+          </p:cNvPr>
+          <p:cNvCxnSpPr>
+            <a:stCxn id="6" idx="3"/>
+            <a:endCxn id="9" idx="2"/>
+          </p:cNvCxnSpPr>
+          <p:nvPr/>
+        </p:nvCxnSpPr>
+        <p:spPr>
+          <a:xfrm flipV="1">
+            <a:off x="4311941" y="2936417"/>
+            <a:ext cx="3199734" cy="498875"/>
+          </a:xfrm>
+          <a:prstGeom prst="bentConnector2">
+            <a:avLst/>
+          </a:prstGeom>
+          <a:ln>
+            <a:solidFill>
+              <a:schemeClr val="accent6"/>
+            </a:solidFill>
+            <a:tailEnd type="triangle"/>
+          </a:ln>
+        </p:spPr>
+        <p:style>
+          <a:lnRef idx="1">
+            <a:schemeClr val="accent1"/>
+          </a:lnRef>
+          <a:fillRef idx="0">
+            <a:schemeClr val="accent1"/>
+          </a:fillRef>
+          <a:effectRef idx="0">
+            <a:schemeClr val="accent1"/>
+          </a:effectRef>
+          <a:fontRef idx="minor">
+            <a:schemeClr val="tx1"/>
+          </a:fontRef>
+        </p:style>
+      </p:cxnSp>
+      <p:pic>
+        <p:nvPicPr>
+          <p:cNvPr id="14" name="圖片 13">
+            <a:extLst>
+              <a:ext uri="{FF2B5EF4-FFF2-40B4-BE49-F238E27FC236}">
+                <a16:creationId xmlns:a16="http://schemas.microsoft.com/office/drawing/2014/main" id="{03FFD622-AB52-4856-99C8-F110E82C11BA}"/>
+              </a:ext>
+            </a:extLst>
+          </p:cNvPr>
+          <p:cNvPicPr>
+            <a:picLocks noChangeAspect="1"/>
+          </p:cNvPicPr>
+          <p:nvPr/>
+        </p:nvPicPr>
+        <p:blipFill>
+          <a:blip r:embed="rId2"/>
+          <a:stretch>
+            <a:fillRect/>
+          </a:stretch>
+        </p:blipFill>
+        <p:spPr>
+          <a:xfrm>
+            <a:off x="5622087" y="5608815"/>
+            <a:ext cx="6394404" cy="669032"/>
+          </a:xfrm>
+          <a:prstGeom prst="rect">
+            <a:avLst/>
+          </a:prstGeom>
+          <a:ln w="28575">
+            <a:solidFill>
+              <a:schemeClr val="accent6"/>
+            </a:solidFill>
+          </a:ln>
+        </p:spPr>
+      </p:pic>
+    </p:spTree>
+    <p:extLst>
+      <p:ext uri="{BB962C8B-B14F-4D97-AF65-F5344CB8AC3E}">
+        <p14:creationId xmlns:p14="http://schemas.microsoft.com/office/powerpoint/2010/main" val="4139999507"/>
       </p:ext>
     </p:extLst>
   </p:cSld>
